--- a/Презентация4.pptx
+++ b/Презентация4.pptx
@@ -18,15 +18,41 @@
     <p:sldId id="262" r:id="rId12"/>
     <p:sldId id="263" r:id="rId13"/>
     <p:sldId id="264" r:id="rId14"/>
-    <p:sldId id="276" r:id="rId15"/>
+    <p:sldId id="288" r:id="rId15"/>
     <p:sldId id="259" r:id="rId16"/>
     <p:sldId id="265" r:id="rId17"/>
-    <p:sldId id="266" r:id="rId18"/>
-    <p:sldId id="267" r:id="rId19"/>
-    <p:sldId id="279" r:id="rId20"/>
-    <p:sldId id="281" r:id="rId21"/>
-    <p:sldId id="277" r:id="rId22"/>
-    <p:sldId id="280" r:id="rId23"/>
+    <p:sldId id="282" r:id="rId18"/>
+    <p:sldId id="287" r:id="rId19"/>
+    <p:sldId id="284" r:id="rId20"/>
+    <p:sldId id="285" r:id="rId21"/>
+    <p:sldId id="286" r:id="rId22"/>
+    <p:sldId id="266" r:id="rId23"/>
+    <p:sldId id="267" r:id="rId24"/>
+    <p:sldId id="289" r:id="rId25"/>
+    <p:sldId id="290" r:id="rId26"/>
+    <p:sldId id="291" r:id="rId27"/>
+    <p:sldId id="292" r:id="rId28"/>
+    <p:sldId id="293" r:id="rId29"/>
+    <p:sldId id="294" r:id="rId30"/>
+    <p:sldId id="295" r:id="rId31"/>
+    <p:sldId id="296" r:id="rId32"/>
+    <p:sldId id="279" r:id="rId33"/>
+    <p:sldId id="281" r:id="rId34"/>
+    <p:sldId id="277" r:id="rId35"/>
+    <p:sldId id="280" r:id="rId36"/>
+    <p:sldId id="297" r:id="rId37"/>
+    <p:sldId id="298" r:id="rId38"/>
+    <p:sldId id="299" r:id="rId39"/>
+    <p:sldId id="300" r:id="rId40"/>
+    <p:sldId id="301" r:id="rId41"/>
+    <p:sldId id="302" r:id="rId42"/>
+    <p:sldId id="303" r:id="rId43"/>
+    <p:sldId id="304" r:id="rId44"/>
+    <p:sldId id="305" r:id="rId45"/>
+    <p:sldId id="306" r:id="rId46"/>
+    <p:sldId id="307" r:id="rId47"/>
+    <p:sldId id="308" r:id="rId48"/>
+    <p:sldId id="309" r:id="rId49"/>
   </p:sldIdLst>
   <p:sldSz cx="12192000" cy="6858000"/>
   <p:notesSz cx="6858000" cy="9144000"/>
@@ -264,7 +290,7 @@
           <a:p>
             <a:fld id="{84AFDF6C-2EBD-4BB9-9FA9-CCEEFBA4FF24}" type="datetimeFigureOut">
               <a:rPr lang="ru-RU" smtClean="0"/>
-              <a:t>17.10.2023</a:t>
+              <a:t>22.10.2023</a:t>
             </a:fld>
             <a:endParaRPr lang="ru-RU"/>
           </a:p>
@@ -434,7 +460,7 @@
           <a:p>
             <a:fld id="{84AFDF6C-2EBD-4BB9-9FA9-CCEEFBA4FF24}" type="datetimeFigureOut">
               <a:rPr lang="ru-RU" smtClean="0"/>
-              <a:t>17.10.2023</a:t>
+              <a:t>22.10.2023</a:t>
             </a:fld>
             <a:endParaRPr lang="ru-RU"/>
           </a:p>
@@ -614,7 +640,7 @@
           <a:p>
             <a:fld id="{84AFDF6C-2EBD-4BB9-9FA9-CCEEFBA4FF24}" type="datetimeFigureOut">
               <a:rPr lang="ru-RU" smtClean="0"/>
-              <a:t>17.10.2023</a:t>
+              <a:t>22.10.2023</a:t>
             </a:fld>
             <a:endParaRPr lang="ru-RU"/>
           </a:p>
@@ -784,7 +810,7 @@
           <a:p>
             <a:fld id="{84AFDF6C-2EBD-4BB9-9FA9-CCEEFBA4FF24}" type="datetimeFigureOut">
               <a:rPr lang="ru-RU" smtClean="0"/>
-              <a:t>17.10.2023</a:t>
+              <a:t>22.10.2023</a:t>
             </a:fld>
             <a:endParaRPr lang="ru-RU"/>
           </a:p>
@@ -1030,7 +1056,7 @@
           <a:p>
             <a:fld id="{84AFDF6C-2EBD-4BB9-9FA9-CCEEFBA4FF24}" type="datetimeFigureOut">
               <a:rPr lang="ru-RU" smtClean="0"/>
-              <a:t>17.10.2023</a:t>
+              <a:t>22.10.2023</a:t>
             </a:fld>
             <a:endParaRPr lang="ru-RU"/>
           </a:p>
@@ -1262,7 +1288,7 @@
           <a:p>
             <a:fld id="{84AFDF6C-2EBD-4BB9-9FA9-CCEEFBA4FF24}" type="datetimeFigureOut">
               <a:rPr lang="ru-RU" smtClean="0"/>
-              <a:t>17.10.2023</a:t>
+              <a:t>22.10.2023</a:t>
             </a:fld>
             <a:endParaRPr lang="ru-RU"/>
           </a:p>
@@ -1629,7 +1655,7 @@
           <a:p>
             <a:fld id="{84AFDF6C-2EBD-4BB9-9FA9-CCEEFBA4FF24}" type="datetimeFigureOut">
               <a:rPr lang="ru-RU" smtClean="0"/>
-              <a:t>17.10.2023</a:t>
+              <a:t>22.10.2023</a:t>
             </a:fld>
             <a:endParaRPr lang="ru-RU"/>
           </a:p>
@@ -1747,7 +1773,7 @@
           <a:p>
             <a:fld id="{84AFDF6C-2EBD-4BB9-9FA9-CCEEFBA4FF24}" type="datetimeFigureOut">
               <a:rPr lang="ru-RU" smtClean="0"/>
-              <a:t>17.10.2023</a:t>
+              <a:t>22.10.2023</a:t>
             </a:fld>
             <a:endParaRPr lang="ru-RU"/>
           </a:p>
@@ -1842,7 +1868,7 @@
           <a:p>
             <a:fld id="{84AFDF6C-2EBD-4BB9-9FA9-CCEEFBA4FF24}" type="datetimeFigureOut">
               <a:rPr lang="ru-RU" smtClean="0"/>
-              <a:t>17.10.2023</a:t>
+              <a:t>22.10.2023</a:t>
             </a:fld>
             <a:endParaRPr lang="ru-RU"/>
           </a:p>
@@ -2119,7 +2145,7 @@
           <a:p>
             <a:fld id="{84AFDF6C-2EBD-4BB9-9FA9-CCEEFBA4FF24}" type="datetimeFigureOut">
               <a:rPr lang="ru-RU" smtClean="0"/>
-              <a:t>17.10.2023</a:t>
+              <a:t>22.10.2023</a:t>
             </a:fld>
             <a:endParaRPr lang="ru-RU"/>
           </a:p>
@@ -2372,7 +2398,7 @@
           <a:p>
             <a:fld id="{84AFDF6C-2EBD-4BB9-9FA9-CCEEFBA4FF24}" type="datetimeFigureOut">
               <a:rPr lang="ru-RU" smtClean="0"/>
-              <a:t>17.10.2023</a:t>
+              <a:t>22.10.2023</a:t>
             </a:fld>
             <a:endParaRPr lang="ru-RU"/>
           </a:p>
@@ -2585,7 +2611,7 @@
           <a:p>
             <a:fld id="{84AFDF6C-2EBD-4BB9-9FA9-CCEEFBA4FF24}" type="datetimeFigureOut">
               <a:rPr lang="ru-RU" smtClean="0"/>
-              <a:t>17.10.2023</a:t>
+              <a:t>22.10.2023</a:t>
             </a:fld>
             <a:endParaRPr lang="ru-RU"/>
           </a:p>
@@ -4785,7 +4811,7 @@
       </p:grpSpPr>
       <p:pic>
         <p:nvPicPr>
-          <p:cNvPr id="4" name="Объект 3"/>
+          <p:cNvPr id="6" name="Содержимое 5" descr="14.JPG"/>
           <p:cNvPicPr>
             <a:picLocks noGrp="1" noChangeAspect="1"/>
           </p:cNvPicPr>
@@ -4801,24 +4827,28 @@
         </p:blipFill>
         <p:spPr>
           <a:xfrm>
-            <a:off x="1359527" y="521294"/>
-            <a:ext cx="10041353" cy="5621486"/>
+            <a:off x="254150" y="598206"/>
+            <a:ext cx="11683699" cy="5366759"/>
           </a:xfrm>
-          <a:prstGeom prst="rect">
-            <a:avLst/>
-          </a:prstGeom>
         </p:spPr>
       </p:pic>
     </p:spTree>
     <p:extLst>
       <p:ext uri="{BB962C8B-B14F-4D97-AF65-F5344CB8AC3E}">
-        <p14:creationId xmlns:p14="http://schemas.microsoft.com/office/powerpoint/2010/main" val="3776119456"/>
+        <p14:creationId xmlns:p14="http://schemas.microsoft.com/office/powerpoint/2010/main" val="4139951509"/>
       </p:ext>
     </p:extLst>
   </p:cSld>
   <p:clrMapOvr>
     <a:masterClrMapping/>
   </p:clrMapOvr>
+  <p:timing>
+    <p:tnLst>
+      <p:par>
+        <p:cTn id="1" dur="indefinite" restart="never" nodeType="tmRoot"/>
+      </p:par>
+    </p:tnLst>
+  </p:timing>
 </p:sld>
 </file>
 
@@ -5294,20 +5324,20 @@
           <a:lstStyle/>
           <a:p>
             <a:r>
-              <a:rPr lang="ru-RU" b="1" dirty="0">
-                <a:solidFill>
-                  <a:srgbClr val="FF0000"/>
-                </a:solidFill>
-              </a:rPr>
-              <a:t>Бесконечный </a:t>
-            </a:r>
-            <a:r>
-              <a:rPr lang="ru-RU" b="1" dirty="0" smtClean="0">
-                <a:solidFill>
-                  <a:srgbClr val="FF0000"/>
-                </a:solidFill>
-              </a:rPr>
-              <a:t>цикл</a:t>
+              <a:rPr lang="ru-RU" dirty="0" smtClean="0">
+                <a:solidFill>
+                  <a:srgbClr val="FF0000"/>
+                </a:solidFill>
+              </a:rPr>
+              <a:t>Создадим цикл </a:t>
+            </a:r>
+            <a:r>
+              <a:rPr lang="en-US" dirty="0" smtClean="0">
+                <a:solidFill>
+                  <a:srgbClr val="FF0000"/>
+                </a:solidFill>
+              </a:rPr>
+              <a:t>while</a:t>
             </a:r>
             <a:endParaRPr lang="ru-RU" dirty="0">
               <a:solidFill>
@@ -5317,336 +5347,46 @@
           </a:p>
         </p:txBody>
       </p:sp>
-      <p:sp>
-        <p:nvSpPr>
-          <p:cNvPr id="3" name="Объект 2"/>
-          <p:cNvSpPr>
-            <a:spLocks noGrp="1"/>
-          </p:cNvSpPr>
+      <p:pic>
+        <p:nvPicPr>
+          <p:cNvPr id="4" name="Содержимое 3" descr="7.JPG"/>
+          <p:cNvPicPr>
+            <a:picLocks noGrp="1" noChangeAspect="1"/>
+          </p:cNvPicPr>
           <p:nvPr>
             <p:ph idx="1"/>
           </p:nvPr>
-        </p:nvSpPr>
-        <p:spPr/>
-        <p:txBody>
-          <a:bodyPr>
-            <a:normAutofit lnSpcReduction="10000"/>
-          </a:bodyPr>
-          <a:lstStyle/>
-          <a:p>
-            <a:pPr marL="0" indent="0">
-              <a:buNone/>
-            </a:pPr>
-            <a:r>
-              <a:rPr lang="ru-RU" sz="2400" dirty="0" smtClean="0"/>
-              <a:t>В </a:t>
-            </a:r>
-            <a:r>
-              <a:rPr lang="ru-RU" sz="2400" dirty="0" err="1"/>
-              <a:t>Python</a:t>
-            </a:r>
-            <a:r>
-              <a:rPr lang="ru-RU" sz="2400" dirty="0"/>
-              <a:t> цикл становится бесконечным, если условие никогда не становится ЛОЖНЫМ. Вы должны соблюдать осторожность при использовании циклов </a:t>
-            </a:r>
-            <a:r>
-              <a:rPr lang="ru-RU" sz="2400" dirty="0" err="1">
-                <a:solidFill>
-                  <a:srgbClr val="FF0000"/>
-                </a:solidFill>
-              </a:rPr>
-              <a:t>while</a:t>
-            </a:r>
-            <a:r>
-              <a:rPr lang="ru-RU" sz="2400" dirty="0"/>
-              <a:t> из-за возможности того, что это условие никогда не перейдёт в значение </a:t>
-            </a:r>
-            <a:r>
-              <a:rPr lang="ru-RU" sz="2400" dirty="0">
-                <a:solidFill>
-                  <a:srgbClr val="FF0000"/>
-                </a:solidFill>
-              </a:rPr>
-              <a:t>FALSE</a:t>
-            </a:r>
-            <a:r>
-              <a:rPr lang="ru-RU" sz="2400" dirty="0"/>
-              <a:t>. Это приводит к циклу, который никогда не заканчивается. Такой в </a:t>
-            </a:r>
-            <a:r>
-              <a:rPr lang="ru-RU" sz="2400" dirty="0" err="1"/>
-              <a:t>Python</a:t>
-            </a:r>
-            <a:r>
-              <a:rPr lang="ru-RU" sz="2400" dirty="0"/>
-              <a:t> цикл </a:t>
-            </a:r>
-            <a:r>
-              <a:rPr lang="ru-RU" sz="2400" dirty="0" err="1">
-                <a:solidFill>
-                  <a:srgbClr val="FF0000"/>
-                </a:solidFill>
-              </a:rPr>
-              <a:t>while</a:t>
-            </a:r>
-            <a:r>
-              <a:rPr lang="ru-RU" sz="2400" dirty="0"/>
-              <a:t> называется бесконечным циклом.</a:t>
-            </a:r>
-          </a:p>
-          <a:p>
-            <a:pPr marL="0" indent="0">
-              <a:buNone/>
-            </a:pPr>
-            <a:endParaRPr lang="ru-RU" sz="2400" dirty="0" smtClean="0"/>
-          </a:p>
-          <a:p>
-            <a:pPr marL="0" indent="0">
-              <a:buNone/>
-            </a:pPr>
-            <a:r>
-              <a:rPr lang="ru-RU" dirty="0" err="1">
-                <a:solidFill>
-                  <a:srgbClr val="FF0000"/>
-                </a:solidFill>
-              </a:rPr>
-              <a:t>var</a:t>
-            </a:r>
-            <a:r>
-              <a:rPr lang="ru-RU" dirty="0">
-                <a:solidFill>
-                  <a:srgbClr val="FF0000"/>
-                </a:solidFill>
-              </a:rPr>
-              <a:t> = </a:t>
-            </a:r>
-            <a:r>
-              <a:rPr lang="ru-RU" dirty="0" smtClean="0">
-                <a:solidFill>
-                  <a:srgbClr val="FF0000"/>
-                </a:solidFill>
-              </a:rPr>
-              <a:t>1</a:t>
-            </a:r>
-          </a:p>
-          <a:p>
-            <a:pPr marL="0" indent="0">
-              <a:buNone/>
-            </a:pPr>
-            <a:r>
-              <a:rPr lang="ru-RU" dirty="0" err="1" smtClean="0"/>
-              <a:t>while</a:t>
-            </a:r>
-            <a:r>
-              <a:rPr lang="ru-RU" dirty="0" smtClean="0"/>
-              <a:t> </a:t>
-            </a:r>
-            <a:r>
-              <a:rPr lang="ru-RU" dirty="0" err="1"/>
-              <a:t>var</a:t>
-            </a:r>
-            <a:r>
-              <a:rPr lang="ru-RU" dirty="0"/>
-              <a:t> == 1 : </a:t>
-            </a:r>
-            <a:r>
-              <a:rPr lang="ru-RU" i="1" dirty="0" smtClean="0">
-                <a:solidFill>
-                  <a:srgbClr val="FFC000"/>
-                </a:solidFill>
-              </a:rPr>
-              <a:t># </a:t>
-            </a:r>
-            <a:r>
-              <a:rPr lang="ru-RU" i="1" dirty="0">
-                <a:solidFill>
-                  <a:srgbClr val="FFC000"/>
-                </a:solidFill>
-              </a:rPr>
-              <a:t>Это создает бесконечный </a:t>
-            </a:r>
-            <a:r>
-              <a:rPr lang="ru-RU" i="1" dirty="0" smtClean="0">
-                <a:solidFill>
-                  <a:srgbClr val="FFC000"/>
-                </a:solidFill>
-              </a:rPr>
-              <a:t>цикл</a:t>
-            </a:r>
-            <a:endParaRPr lang="ru-RU" dirty="0">
-              <a:solidFill>
-                <a:srgbClr val="FFC000"/>
-              </a:solidFill>
-            </a:endParaRPr>
-          </a:p>
-          <a:p>
-            <a:pPr marL="0" indent="0">
-              <a:buNone/>
-            </a:pPr>
-            <a:r>
-              <a:rPr lang="ru-RU" dirty="0" smtClean="0"/>
-              <a:t>	</a:t>
-            </a:r>
-            <a:r>
-              <a:rPr lang="ru-RU" dirty="0" err="1" smtClean="0"/>
-              <a:t>num</a:t>
-            </a:r>
-            <a:r>
-              <a:rPr lang="ru-RU" dirty="0" smtClean="0"/>
-              <a:t> </a:t>
-            </a:r>
-            <a:r>
-              <a:rPr lang="ru-RU" dirty="0"/>
-              <a:t>= </a:t>
-            </a:r>
-            <a:r>
-              <a:rPr lang="ru-RU" dirty="0" err="1" smtClean="0"/>
-              <a:t>input</a:t>
-            </a:r>
-            <a:r>
-              <a:rPr lang="ru-RU" dirty="0"/>
-              <a:t>("Введите число</a:t>
-            </a:r>
-            <a:r>
-              <a:rPr lang="ru-RU" dirty="0" smtClean="0"/>
-              <a:t>:")</a:t>
-            </a:r>
-          </a:p>
-          <a:p>
-            <a:pPr marL="0" indent="0">
-              <a:buNone/>
-            </a:pPr>
-            <a:r>
-              <a:rPr lang="ru-RU" dirty="0" smtClean="0"/>
-              <a:t>	</a:t>
-            </a:r>
-            <a:r>
-              <a:rPr lang="ru-RU" dirty="0" err="1" smtClean="0">
-                <a:solidFill>
-                  <a:srgbClr val="00B050"/>
-                </a:solidFill>
-              </a:rPr>
-              <a:t>print</a:t>
-            </a:r>
-            <a:r>
-              <a:rPr lang="ru-RU" dirty="0" smtClean="0">
-                <a:solidFill>
-                  <a:srgbClr val="00B050"/>
-                </a:solidFill>
-              </a:rPr>
-              <a:t> (</a:t>
-            </a:r>
-            <a:r>
-              <a:rPr lang="en-US" dirty="0">
-                <a:solidFill>
-                  <a:srgbClr val="00B050"/>
-                </a:solidFill>
-              </a:rPr>
-              <a:t>f</a:t>
-            </a:r>
-            <a:r>
-              <a:rPr lang="ru-RU" dirty="0" smtClean="0">
-                <a:solidFill>
-                  <a:srgbClr val="00B050"/>
-                </a:solidFill>
-              </a:rPr>
-              <a:t>"Вы </a:t>
-            </a:r>
-            <a:r>
-              <a:rPr lang="ru-RU" dirty="0">
-                <a:solidFill>
-                  <a:srgbClr val="00B050"/>
-                </a:solidFill>
-              </a:rPr>
-              <a:t>ввели: </a:t>
-            </a:r>
-            <a:r>
-              <a:rPr lang="en-US" dirty="0" smtClean="0">
-                <a:solidFill>
-                  <a:srgbClr val="00B050"/>
-                </a:solidFill>
-              </a:rPr>
-              <a:t>{</a:t>
-            </a:r>
-            <a:r>
-              <a:rPr lang="en-US" dirty="0" err="1" smtClean="0">
-                <a:solidFill>
-                  <a:srgbClr val="00B050"/>
-                </a:solidFill>
-              </a:rPr>
-              <a:t>num</a:t>
-            </a:r>
-            <a:r>
-              <a:rPr lang="en-US" dirty="0" smtClean="0">
-                <a:solidFill>
-                  <a:srgbClr val="00B050"/>
-                </a:solidFill>
-              </a:rPr>
-              <a:t>}</a:t>
-            </a:r>
-            <a:r>
-              <a:rPr lang="ru-RU" dirty="0" smtClean="0">
-                <a:solidFill>
-                  <a:srgbClr val="00B050"/>
-                </a:solidFill>
-              </a:rPr>
-              <a:t>")</a:t>
-            </a:r>
-          </a:p>
-          <a:p>
-            <a:pPr marL="0" indent="0">
-              <a:buNone/>
-            </a:pPr>
-            <a:r>
-              <a:rPr lang="ru-RU" dirty="0" err="1" smtClean="0">
-                <a:solidFill>
-                  <a:srgbClr val="00B050"/>
-                </a:solidFill>
-              </a:rPr>
-              <a:t>print</a:t>
-            </a:r>
-            <a:r>
-              <a:rPr lang="ru-RU" dirty="0" smtClean="0">
-                <a:solidFill>
-                  <a:srgbClr val="00B050"/>
-                </a:solidFill>
-              </a:rPr>
-              <a:t> ("</a:t>
-            </a:r>
-            <a:r>
-              <a:rPr lang="en-US" dirty="0" smtClean="0">
-                <a:solidFill>
-                  <a:srgbClr val="00B050"/>
-                </a:solidFill>
-              </a:rPr>
-              <a:t>GG</a:t>
-            </a:r>
-            <a:r>
-              <a:rPr lang="ru-RU" dirty="0" smtClean="0">
-                <a:solidFill>
-                  <a:srgbClr val="00B050"/>
-                </a:solidFill>
-              </a:rPr>
-              <a:t>!")</a:t>
-            </a:r>
-            <a:endParaRPr lang="ru-RU" sz="2400" dirty="0">
-              <a:solidFill>
-                <a:srgbClr val="00B050"/>
-              </a:solidFill>
-            </a:endParaRPr>
-          </a:p>
-        </p:txBody>
-      </p:sp>
+        </p:nvPicPr>
+        <p:blipFill>
+          <a:blip r:embed="rId2"/>
+          <a:stretch>
+            <a:fillRect/>
+          </a:stretch>
+        </p:blipFill>
+        <p:spPr>
+          <a:xfrm>
+            <a:off x="838200" y="1690688"/>
+            <a:ext cx="10565617" cy="2828134"/>
+          </a:xfrm>
+        </p:spPr>
+      </p:pic>
     </p:spTree>
     <p:extLst>
       <p:ext uri="{BB962C8B-B14F-4D97-AF65-F5344CB8AC3E}">
-        <p14:creationId xmlns:p14="http://schemas.microsoft.com/office/powerpoint/2010/main" val="1059228964"/>
+        <p14:creationId xmlns:p14="http://schemas.microsoft.com/office/powerpoint/2010/main" val="3086477735"/>
       </p:ext>
     </p:extLst>
   </p:cSld>
   <p:clrMapOvr>
     <a:masterClrMapping/>
   </p:clrMapOvr>
+  <p:timing>
+    <p:tnLst>
+      <p:par>
+        <p:cTn id="1" dur="indefinite" restart="never" nodeType="tmRoot"/>
+      </p:par>
+    </p:tnLst>
+  </p:timing>
 </p:sld>
 </file>
 
@@ -5685,38 +5425,22 @@
           <a:lstStyle/>
           <a:p>
             <a:r>
-              <a:rPr lang="ru-RU" sz="4000" b="1" dirty="0">
-                <a:solidFill>
-                  <a:srgbClr val="FF0000"/>
-                </a:solidFill>
-              </a:rPr>
-              <a:t>Использование оператора </a:t>
-            </a:r>
-            <a:r>
-              <a:rPr lang="ru-RU" sz="4000" b="1" dirty="0" err="1">
-                <a:solidFill>
-                  <a:srgbClr val="FF0000"/>
-                </a:solidFill>
-              </a:rPr>
-              <a:t>else</a:t>
-            </a:r>
-            <a:r>
-              <a:rPr lang="ru-RU" sz="4000" b="1" dirty="0">
-                <a:solidFill>
-                  <a:srgbClr val="FF0000"/>
-                </a:solidFill>
-              </a:rPr>
-              <a:t> с циклом </a:t>
-            </a:r>
-            <a:r>
-              <a:rPr lang="ru-RU" sz="4000" b="1" dirty="0" err="1" smtClean="0">
+              <a:rPr lang="ru-RU" dirty="0" smtClean="0">
+                <a:solidFill>
+                  <a:srgbClr val="FF0000"/>
+                </a:solidFill>
+              </a:rPr>
+              <a:t>Напишем простую игрушку при помощи цикла </a:t>
+            </a:r>
+            <a:r>
+              <a:rPr lang="en-US" dirty="0" smtClean="0">
                 <a:solidFill>
                   <a:srgbClr val="FF0000"/>
                 </a:solidFill>
               </a:rPr>
               <a:t>while</a:t>
             </a:r>
-            <a:endParaRPr lang="ru-RU" sz="4000" dirty="0">
+            <a:endParaRPr lang="ru-RU" dirty="0">
               <a:solidFill>
                 <a:srgbClr val="FF0000"/>
               </a:solidFill>
@@ -5726,7 +5450,7 @@
       </p:sp>
       <p:sp>
         <p:nvSpPr>
-          <p:cNvPr id="3" name="Объект 2"/>
+          <p:cNvPr id="3" name="Содержимое 2"/>
           <p:cNvSpPr>
             <a:spLocks noGrp="1"/>
           </p:cNvSpPr>
@@ -5734,188 +5458,54 @@
             <p:ph idx="1"/>
           </p:nvPr>
         </p:nvSpPr>
-        <p:spPr/>
-        <p:txBody>
-          <a:bodyPr>
-            <a:normAutofit/>
-          </a:bodyPr>
-          <a:lstStyle/>
-          <a:p>
-            <a:pPr marL="0" indent="0">
-              <a:buNone/>
-            </a:pPr>
-            <a:r>
-              <a:rPr lang="en-US" sz="2400" dirty="0">
-                <a:solidFill>
-                  <a:srgbClr val="FF0000"/>
-                </a:solidFill>
-              </a:rPr>
-              <a:t>count = </a:t>
-            </a:r>
-            <a:r>
-              <a:rPr lang="en-US" sz="2400" dirty="0" smtClean="0">
-                <a:solidFill>
-                  <a:srgbClr val="FF0000"/>
-                </a:solidFill>
-              </a:rPr>
-              <a:t>0</a:t>
-            </a:r>
-          </a:p>
-          <a:p>
-            <a:pPr marL="0" indent="0">
-              <a:buNone/>
-            </a:pPr>
-            <a:r>
-              <a:rPr lang="en-US" sz="2400" dirty="0" smtClean="0"/>
-              <a:t>while </a:t>
-            </a:r>
-            <a:r>
-              <a:rPr lang="en-US" sz="2400" dirty="0"/>
-              <a:t>count &lt; </a:t>
-            </a:r>
-            <a:r>
-              <a:rPr lang="en-US" sz="2400" dirty="0" smtClean="0"/>
-              <a:t>5:</a:t>
-            </a:r>
-          </a:p>
-          <a:p>
-            <a:pPr marL="457200" lvl="1" indent="0">
-              <a:buNone/>
-            </a:pPr>
-            <a:r>
-              <a:rPr lang="en-US" dirty="0" smtClean="0">
-                <a:solidFill>
-                  <a:srgbClr val="00B050"/>
-                </a:solidFill>
-              </a:rPr>
-              <a:t>print (f"{count} </a:t>
-            </a:r>
-            <a:r>
-              <a:rPr lang="en-US" dirty="0" err="1">
-                <a:solidFill>
-                  <a:srgbClr val="00B050"/>
-                </a:solidFill>
-              </a:rPr>
-              <a:t>меньше</a:t>
-            </a:r>
-            <a:r>
-              <a:rPr lang="en-US" dirty="0">
-                <a:solidFill>
-                  <a:srgbClr val="00B050"/>
-                </a:solidFill>
-              </a:rPr>
-              <a:t> </a:t>
-            </a:r>
-            <a:r>
-              <a:rPr lang="en-US" dirty="0" smtClean="0">
-                <a:solidFill>
-                  <a:srgbClr val="00B050"/>
-                </a:solidFill>
-              </a:rPr>
-              <a:t>5")</a:t>
-            </a:r>
-          </a:p>
-          <a:p>
-            <a:pPr marL="457200" lvl="1" indent="0">
-              <a:buNone/>
-            </a:pPr>
+        <p:spPr>
+          <a:xfrm>
+            <a:off x="1981200" y="2571745"/>
+            <a:ext cx="8229600" cy="3554419"/>
+          </a:xfrm>
+        </p:spPr>
+        <p:txBody>
+          <a:bodyPr/>
+          <a:lstStyle/>
+          <a:p>
+            <a:pPr algn="ctr">
+              <a:buNone/>
+            </a:pPr>
+            <a:r>
+              <a:rPr lang="ru-RU" dirty="0" smtClean="0"/>
+              <a:t>Программа будет генерировать случайное число</a:t>
+            </a:r>
             <a:r>
               <a:rPr lang="en-US" dirty="0" smtClean="0"/>
-              <a:t>count </a:t>
-            </a:r>
-            <a:r>
-              <a:rPr lang="en-US" dirty="0"/>
-              <a:t>= count + </a:t>
-            </a:r>
-            <a:r>
-              <a:rPr lang="en-US" dirty="0" smtClean="0"/>
-              <a:t>1</a:t>
-            </a:r>
-          </a:p>
-          <a:p>
-            <a:pPr marL="0" lvl="1" indent="0">
-              <a:buNone/>
-            </a:pPr>
-            <a:r>
-              <a:rPr lang="en-US" dirty="0" smtClean="0"/>
-              <a:t>else:</a:t>
-            </a:r>
-          </a:p>
-          <a:p>
-            <a:pPr marL="0" lvl="1" indent="0" defTabSz="444500">
-              <a:buNone/>
-            </a:pPr>
-            <a:r>
-              <a:rPr lang="en-US" dirty="0"/>
-              <a:t>	</a:t>
-            </a:r>
-            <a:r>
-              <a:rPr lang="en-US" dirty="0" smtClean="0">
-                <a:solidFill>
-                  <a:srgbClr val="00B050"/>
-                </a:solidFill>
-              </a:rPr>
-              <a:t>print </a:t>
-            </a:r>
-            <a:r>
-              <a:rPr lang="en-US" dirty="0">
-                <a:solidFill>
-                  <a:srgbClr val="00B050"/>
-                </a:solidFill>
-              </a:rPr>
-              <a:t>(f"{count} </a:t>
-            </a:r>
-            <a:r>
-              <a:rPr lang="ru-RU" dirty="0" smtClean="0">
-                <a:solidFill>
-                  <a:srgbClr val="00B050"/>
-                </a:solidFill>
-              </a:rPr>
-              <a:t>не </a:t>
-            </a:r>
-            <a:r>
-              <a:rPr lang="en-US" dirty="0" err="1" smtClean="0">
-                <a:solidFill>
-                  <a:srgbClr val="00B050"/>
-                </a:solidFill>
-              </a:rPr>
-              <a:t>меньше</a:t>
-            </a:r>
-            <a:r>
-              <a:rPr lang="en-US" dirty="0" smtClean="0">
-                <a:solidFill>
-                  <a:srgbClr val="00B050"/>
-                </a:solidFill>
-              </a:rPr>
-              <a:t> </a:t>
-            </a:r>
-            <a:r>
-              <a:rPr lang="en-US" dirty="0">
-                <a:solidFill>
-                  <a:srgbClr val="00B050"/>
-                </a:solidFill>
-              </a:rPr>
-              <a:t>5")</a:t>
-            </a:r>
-          </a:p>
-          <a:p>
-            <a:pPr marL="0" lvl="1" indent="0">
-              <a:buNone/>
-            </a:pPr>
-            <a:endParaRPr lang="ru-RU" dirty="0"/>
+              <a:t>, </a:t>
+            </a:r>
+            <a:r>
+              <a:rPr lang="ru-RU" dirty="0" smtClean="0"/>
+              <a:t>пользователь должен угадать это число.</a:t>
+            </a:r>
+          </a:p>
+          <a:p>
+            <a:endParaRPr lang="en-US" dirty="0" smtClean="0"/>
           </a:p>
         </p:txBody>
       </p:sp>
     </p:spTree>
     <p:extLst>
       <p:ext uri="{BB962C8B-B14F-4D97-AF65-F5344CB8AC3E}">
-        <p14:creationId xmlns:p14="http://schemas.microsoft.com/office/powerpoint/2010/main" val="2232956455"/>
+        <p14:creationId xmlns:p14="http://schemas.microsoft.com/office/powerpoint/2010/main" val="3688127328"/>
       </p:ext>
     </p:extLst>
   </p:cSld>
   <p:clrMapOvr>
     <a:masterClrMapping/>
   </p:clrMapOvr>
+  <p:timing>
+    <p:tnLst>
+      <p:par>
+        <p:cTn id="1" dur="indefinite" restart="never" nodeType="tmRoot"/>
+      </p:par>
+    </p:tnLst>
+  </p:timing>
 </p:sld>
 </file>
 
@@ -5952,88 +5542,40 @@
           <a:lstStyle/>
           <a:p>
             <a:r>
-              <a:rPr lang="ru-RU" dirty="0" smtClean="0">
-                <a:solidFill>
-                  <a:srgbClr val="FF0000"/>
-                </a:solidFill>
-              </a:rPr>
-              <a:t>Генератор списка</a:t>
-            </a:r>
-            <a:endParaRPr lang="ru-RU" dirty="0">
-              <a:solidFill>
-                <a:srgbClr val="FF0000"/>
-              </a:solidFill>
-            </a:endParaRPr>
-          </a:p>
-        </p:txBody>
-      </p:sp>
-      <p:sp>
-        <p:nvSpPr>
-          <p:cNvPr id="3" name="Содержимое 2"/>
-          <p:cNvSpPr>
-            <a:spLocks noGrp="1"/>
-          </p:cNvSpPr>
+              <a:rPr lang="ru-RU" dirty="0" smtClean="0"/>
+              <a:t> </a:t>
+            </a:r>
+            <a:endParaRPr lang="ru-RU" dirty="0"/>
+          </a:p>
+        </p:txBody>
+      </p:sp>
+      <p:pic>
+        <p:nvPicPr>
+          <p:cNvPr id="4" name="Содержимое 3" descr="8.JPG"/>
+          <p:cNvPicPr>
+            <a:picLocks noGrp="1" noChangeAspect="1"/>
+          </p:cNvPicPr>
           <p:nvPr>
             <p:ph idx="1"/>
           </p:nvPr>
-        </p:nvSpPr>
-        <p:spPr/>
-        <p:txBody>
-          <a:bodyPr>
-            <a:normAutofit/>
-          </a:bodyPr>
-          <a:lstStyle/>
-          <a:p>
-            <a:pPr>
-              <a:buFont typeface="Courier New" pitchFamily="49" charset="0"/>
-              <a:buChar char="o"/>
-            </a:pPr>
-            <a:r>
-              <a:rPr lang="en-US" dirty="0" smtClean="0"/>
-              <a:t>C</a:t>
-            </a:r>
-            <a:r>
-              <a:rPr lang="ru-RU" dirty="0" err="1" smtClean="0"/>
-              <a:t>пециальная</a:t>
-            </a:r>
-            <a:r>
-              <a:rPr lang="ru-RU" dirty="0" smtClean="0"/>
-              <a:t> синтаксическая конструкция, которая позволяет по определенным правилам создавать заполненные списки.</a:t>
-            </a:r>
-            <a:endParaRPr lang="en-US" dirty="0" smtClean="0"/>
-          </a:p>
-          <a:p>
-            <a:pPr>
-              <a:buFont typeface="Courier New" pitchFamily="49" charset="0"/>
-              <a:buChar char="o"/>
-            </a:pPr>
-            <a:endParaRPr lang="en-US" dirty="0" smtClean="0"/>
-          </a:p>
-          <a:p>
-            <a:pPr>
-              <a:buFont typeface="Courier New" pitchFamily="49" charset="0"/>
-              <a:buChar char="o"/>
-            </a:pPr>
-            <a:r>
-              <a:rPr lang="ru-RU" dirty="0" smtClean="0"/>
-              <a:t> Такие конструкции называются </a:t>
-            </a:r>
-            <a:r>
-              <a:rPr lang="ru-RU" b="1" dirty="0" smtClean="0"/>
-              <a:t>генераторами списков</a:t>
-            </a:r>
-            <a:r>
-              <a:rPr lang="ru-RU" dirty="0" smtClean="0"/>
-              <a:t>. Их удобство заключается в более короткой записи программного кода, чем если бы создавался список обычным способом</a:t>
-            </a:r>
-            <a:endParaRPr lang="ru-RU" dirty="0"/>
-          </a:p>
-        </p:txBody>
-      </p:sp>
+        </p:nvPicPr>
+        <p:blipFill>
+          <a:blip r:embed="rId2"/>
+          <a:stretch>
+            <a:fillRect/>
+          </a:stretch>
+        </p:blipFill>
+        <p:spPr>
+          <a:xfrm>
+            <a:off x="1952596" y="1928803"/>
+            <a:ext cx="8512754" cy="1940307"/>
+          </a:xfrm>
+        </p:spPr>
+      </p:pic>
     </p:spTree>
     <p:extLst>
       <p:ext uri="{BB962C8B-B14F-4D97-AF65-F5344CB8AC3E}">
-        <p14:creationId xmlns:p14="http://schemas.microsoft.com/office/powerpoint/2010/main" val="3520027167"/>
+        <p14:creationId xmlns:p14="http://schemas.microsoft.com/office/powerpoint/2010/main" val="2525857931"/>
       </p:ext>
     </p:extLst>
   </p:cSld>
@@ -6374,7 +5916,7 @@
           <a:lstStyle/>
           <a:p>
             <a:r>
-              <a:rPr lang="en-US" dirty="0" smtClean="0"/>
+              <a:rPr lang="ru-RU" dirty="0" smtClean="0"/>
               <a:t> </a:t>
             </a:r>
             <a:endParaRPr lang="ru-RU" dirty="0"/>
@@ -6393,8 +5935,8 @@
         </p:nvSpPr>
         <p:spPr>
           <a:xfrm>
-            <a:off x="1981200" y="357167"/>
-            <a:ext cx="8229600" cy="5768997"/>
+            <a:off x="1981200" y="785795"/>
+            <a:ext cx="8229600" cy="5340369"/>
           </a:xfrm>
         </p:spPr>
         <p:txBody>
@@ -6404,70 +5946,62 @@
           <a:lstStyle/>
           <a:p>
             <a:pPr>
-              <a:buFont typeface="Courier New" pitchFamily="49" charset="0"/>
-              <a:buChar char="o"/>
+              <a:buNone/>
+            </a:pPr>
+            <a:endParaRPr lang="ru-RU" dirty="0"/>
+          </a:p>
+          <a:p>
+            <a:pPr>
+              <a:buNone/>
             </a:pPr>
             <a:r>
               <a:rPr lang="ru-RU" dirty="0" smtClean="0"/>
-              <a:t>Конструкция заключается в квадратные скобки, что говорит, что будет создан список. Внутри скобок выделим три части: </a:t>
-            </a:r>
-          </a:p>
-          <a:p>
-            <a:pPr lvl="1"/>
+              <a:t>Команда </a:t>
+            </a:r>
+            <a:r>
+              <a:rPr lang="en-US" u="sng" dirty="0" smtClean="0"/>
+              <a:t>import</a:t>
+            </a:r>
+            <a:r>
+              <a:rPr lang="en-US" dirty="0" smtClean="0"/>
+              <a:t> </a:t>
+            </a:r>
             <a:r>
               <a:rPr lang="ru-RU" dirty="0" smtClean="0"/>
-              <a:t>1) что делаем с элементом (в данном случае ничего не делаем, просто добавляем в список), </a:t>
-            </a:r>
-          </a:p>
-          <a:p>
-            <a:pPr lvl="1"/>
+              <a:t>позволяет импортировать библиотеки в наш код (про это позже).</a:t>
+            </a:r>
+          </a:p>
+          <a:p>
+            <a:pPr>
+              <a:buNone/>
+            </a:pPr>
+            <a:endParaRPr lang="ru-RU" dirty="0" smtClean="0"/>
+          </a:p>
+          <a:p>
+            <a:pPr>
+              <a:buNone/>
+            </a:pPr>
             <a:r>
               <a:rPr lang="ru-RU" dirty="0" smtClean="0"/>
-              <a:t>2) что берем (в данном случае элемент </a:t>
-            </a:r>
-            <a:r>
-              <a:rPr lang="ru-RU" dirty="0" err="1" smtClean="0"/>
-              <a:t>i</a:t>
-            </a:r>
-            <a:r>
-              <a:rPr lang="ru-RU" dirty="0" smtClean="0"/>
-              <a:t>)</a:t>
-            </a:r>
-          </a:p>
-          <a:p>
-            <a:pPr lvl="1"/>
-            <a:endParaRPr lang="ru-RU" dirty="0" smtClean="0"/>
-          </a:p>
-          <a:p>
-            <a:pPr lvl="1"/>
-            <a:r>
-              <a:rPr lang="ru-RU" dirty="0" smtClean="0"/>
-              <a:t> 3) откуда берем (здесь из объекта </a:t>
-            </a:r>
-            <a:r>
-              <a:rPr lang="ru-RU" dirty="0" err="1" smtClean="0"/>
-              <a:t>range</a:t>
-            </a:r>
-            <a:r>
-              <a:rPr lang="ru-RU" dirty="0" smtClean="0"/>
-              <a:t>). Части отделены друг от друга ключевыми словами </a:t>
-            </a:r>
-            <a:r>
-              <a:rPr lang="ru-RU" b="1" dirty="0" err="1" smtClean="0"/>
-              <a:t>for</a:t>
-            </a:r>
-            <a:r>
-              <a:rPr lang="ru-RU" dirty="0" smtClean="0"/>
-              <a:t> и </a:t>
-            </a:r>
-            <a:r>
-              <a:rPr lang="ru-RU" b="1" dirty="0" err="1" smtClean="0"/>
-              <a:t>in</a:t>
+              <a:t>Модуль </a:t>
+            </a:r>
+            <a:r>
+              <a:rPr lang="ru-RU" u="sng" dirty="0" err="1"/>
+              <a:t>random</a:t>
+            </a:r>
+            <a:r>
+              <a:rPr lang="ru-RU" dirty="0"/>
+              <a:t> предоставляет функции для генерации случайных чисел, букв, случайного выбора элементов последовательности</a:t>
             </a:r>
             <a:r>
               <a:rPr lang="ru-RU" dirty="0" smtClean="0"/>
               <a:t>.</a:t>
             </a:r>
+          </a:p>
+          <a:p>
+            <a:endParaRPr lang="ru-RU" dirty="0"/>
+          </a:p>
+          <a:p>
             <a:endParaRPr lang="ru-RU" dirty="0"/>
           </a:p>
         </p:txBody>
@@ -6475,7 +6009,7 @@
     </p:spTree>
     <p:extLst>
       <p:ext uri="{BB962C8B-B14F-4D97-AF65-F5344CB8AC3E}">
-        <p14:creationId xmlns:p14="http://schemas.microsoft.com/office/powerpoint/2010/main" val="816026523"/>
+        <p14:creationId xmlns:p14="http://schemas.microsoft.com/office/powerpoint/2010/main" val="451354033"/>
       </p:ext>
     </p:extLst>
   </p:cSld>
@@ -6509,6 +6043,2335 @@
           <a:chExt cx="0" cy="0"/>
         </a:xfrm>
       </p:grpSpPr>
+      <p:sp>
+        <p:nvSpPr>
+          <p:cNvPr id="2" name="Заголовок 1"/>
+          <p:cNvSpPr>
+            <a:spLocks noGrp="1"/>
+          </p:cNvSpPr>
+          <p:nvPr>
+            <p:ph type="title"/>
+          </p:nvPr>
+        </p:nvSpPr>
+        <p:spPr/>
+        <p:txBody>
+          <a:bodyPr/>
+          <a:lstStyle/>
+          <a:p>
+            <a:r>
+              <a:rPr lang="ru-RU" dirty="0" smtClean="0"/>
+              <a:t> </a:t>
+            </a:r>
+            <a:endParaRPr lang="ru-RU" dirty="0"/>
+          </a:p>
+        </p:txBody>
+      </p:sp>
+      <p:sp>
+        <p:nvSpPr>
+          <p:cNvPr id="3" name="Содержимое 2"/>
+          <p:cNvSpPr>
+            <a:spLocks noGrp="1"/>
+          </p:cNvSpPr>
+          <p:nvPr>
+            <p:ph idx="1"/>
+          </p:nvPr>
+        </p:nvSpPr>
+        <p:spPr>
+          <a:xfrm>
+            <a:off x="1981200" y="428605"/>
+            <a:ext cx="8229600" cy="5697559"/>
+          </a:xfrm>
+        </p:spPr>
+        <p:txBody>
+          <a:bodyPr/>
+          <a:lstStyle/>
+          <a:p>
+            <a:pPr>
+              <a:buNone/>
+            </a:pPr>
+            <a:r>
+              <a:rPr lang="ru-RU" dirty="0" smtClean="0"/>
+              <a:t>Прежде чем добавим </a:t>
+            </a:r>
+            <a:r>
+              <a:rPr lang="ru-RU" dirty="0"/>
+              <a:t>цикл </a:t>
+            </a:r>
+            <a:r>
+              <a:rPr lang="ru-RU" dirty="0" err="1"/>
+              <a:t>while</a:t>
+            </a:r>
+            <a:r>
+              <a:rPr lang="ru-RU" dirty="0"/>
+              <a:t>. Сначала </a:t>
+            </a:r>
+            <a:r>
+              <a:rPr lang="ru-RU" dirty="0" smtClean="0"/>
+              <a:t>создадим </a:t>
+            </a:r>
+            <a:r>
+              <a:rPr lang="ru-RU" dirty="0"/>
+              <a:t>переменную, а затем </a:t>
+            </a:r>
+            <a:r>
+              <a:rPr lang="ru-RU" dirty="0" smtClean="0"/>
+              <a:t>цикл.</a:t>
+            </a:r>
+          </a:p>
+          <a:p>
+            <a:pPr>
+              <a:buNone/>
+            </a:pPr>
+            <a:endParaRPr lang="ru-RU" dirty="0"/>
+          </a:p>
+          <a:p>
+            <a:pPr>
+              <a:buNone/>
+            </a:pPr>
+            <a:endParaRPr lang="ru-RU" dirty="0"/>
+          </a:p>
+        </p:txBody>
+      </p:sp>
+      <p:pic>
+        <p:nvPicPr>
+          <p:cNvPr id="5" name="Изображение 4"/>
+          <p:cNvPicPr>
+            <a:picLocks noChangeAspect="1"/>
+          </p:cNvPicPr>
+          <p:nvPr/>
+        </p:nvPicPr>
+        <p:blipFill>
+          <a:blip r:embed="rId2"/>
+          <a:stretch>
+            <a:fillRect/>
+          </a:stretch>
+        </p:blipFill>
+        <p:spPr>
+          <a:xfrm>
+            <a:off x="2181225" y="1792605"/>
+            <a:ext cx="7829550" cy="4152900"/>
+          </a:xfrm>
+          <a:prstGeom prst="rect">
+            <a:avLst/>
+          </a:prstGeom>
+        </p:spPr>
+      </p:pic>
+    </p:spTree>
+    <p:extLst>
+      <p:ext uri="{BB962C8B-B14F-4D97-AF65-F5344CB8AC3E}">
+        <p14:creationId xmlns:p14="http://schemas.microsoft.com/office/powerpoint/2010/main" val="1895684014"/>
+      </p:ext>
+    </p:extLst>
+  </p:cSld>
+  <p:clrMapOvr>
+    <a:masterClrMapping/>
+  </p:clrMapOvr>
+  <p:timing>
+    <p:tnLst>
+      <p:par>
+        <p:cTn id="1" dur="indefinite" restart="never" nodeType="tmRoot"/>
+      </p:par>
+    </p:tnLst>
+  </p:timing>
+</p:sld>
+</file>
+
+<file path=ppt/slides/slide22.xml><?xml version="1.0" encoding="utf-8"?>
+<p:sld xmlns:a="http://schemas.openxmlformats.org/drawingml/2006/main" xmlns:r="http://schemas.openxmlformats.org/officeDocument/2006/relationships" xmlns:p="http://schemas.openxmlformats.org/presentationml/2006/main">
+  <p:cSld>
+    <p:spTree>
+      <p:nvGrpSpPr>
+        <p:cNvPr id="1" name=""/>
+        <p:cNvGrpSpPr/>
+        <p:nvPr/>
+      </p:nvGrpSpPr>
+      <p:grpSpPr>
+        <a:xfrm>
+          <a:off x="0" y="0"/>
+          <a:ext cx="0" cy="0"/>
+          <a:chOff x="0" y="0"/>
+          <a:chExt cx="0" cy="0"/>
+        </a:xfrm>
+      </p:grpSpPr>
+      <p:sp>
+        <p:nvSpPr>
+          <p:cNvPr id="2" name="Заголовок 1"/>
+          <p:cNvSpPr>
+            <a:spLocks noGrp="1"/>
+          </p:cNvSpPr>
+          <p:nvPr>
+            <p:ph type="title"/>
+          </p:nvPr>
+        </p:nvSpPr>
+        <p:spPr/>
+        <p:txBody>
+          <a:bodyPr/>
+          <a:lstStyle/>
+          <a:p>
+            <a:r>
+              <a:rPr lang="ru-RU" b="1" dirty="0">
+                <a:solidFill>
+                  <a:srgbClr val="FF0000"/>
+                </a:solidFill>
+              </a:rPr>
+              <a:t>Бесконечный </a:t>
+            </a:r>
+            <a:r>
+              <a:rPr lang="ru-RU" b="1" dirty="0" smtClean="0">
+                <a:solidFill>
+                  <a:srgbClr val="FF0000"/>
+                </a:solidFill>
+              </a:rPr>
+              <a:t>цикл</a:t>
+            </a:r>
+            <a:endParaRPr lang="ru-RU" dirty="0">
+              <a:solidFill>
+                <a:srgbClr val="FF0000"/>
+              </a:solidFill>
+            </a:endParaRPr>
+          </a:p>
+        </p:txBody>
+      </p:sp>
+      <p:sp>
+        <p:nvSpPr>
+          <p:cNvPr id="3" name="Объект 2"/>
+          <p:cNvSpPr>
+            <a:spLocks noGrp="1"/>
+          </p:cNvSpPr>
+          <p:nvPr>
+            <p:ph idx="1"/>
+          </p:nvPr>
+        </p:nvSpPr>
+        <p:spPr/>
+        <p:txBody>
+          <a:bodyPr>
+            <a:normAutofit lnSpcReduction="10000"/>
+          </a:bodyPr>
+          <a:lstStyle/>
+          <a:p>
+            <a:pPr marL="0" indent="0">
+              <a:buNone/>
+            </a:pPr>
+            <a:r>
+              <a:rPr lang="ru-RU" sz="2400" dirty="0" smtClean="0"/>
+              <a:t>В </a:t>
+            </a:r>
+            <a:r>
+              <a:rPr lang="ru-RU" sz="2400" dirty="0" err="1"/>
+              <a:t>Python</a:t>
+            </a:r>
+            <a:r>
+              <a:rPr lang="ru-RU" sz="2400" dirty="0"/>
+              <a:t> цикл становится бесконечным, если условие никогда не становится ЛОЖНЫМ. Вы должны соблюдать осторожность при использовании циклов </a:t>
+            </a:r>
+            <a:r>
+              <a:rPr lang="ru-RU" sz="2400" dirty="0" err="1">
+                <a:solidFill>
+                  <a:srgbClr val="FF0000"/>
+                </a:solidFill>
+              </a:rPr>
+              <a:t>while</a:t>
+            </a:r>
+            <a:r>
+              <a:rPr lang="ru-RU" sz="2400" dirty="0"/>
+              <a:t> из-за возможности того, что это условие никогда не перейдёт в значение </a:t>
+            </a:r>
+            <a:r>
+              <a:rPr lang="ru-RU" sz="2400" dirty="0">
+                <a:solidFill>
+                  <a:srgbClr val="FF0000"/>
+                </a:solidFill>
+              </a:rPr>
+              <a:t>FALSE</a:t>
+            </a:r>
+            <a:r>
+              <a:rPr lang="ru-RU" sz="2400" dirty="0"/>
+              <a:t>. Это приводит к циклу, который никогда не заканчивается. Такой в </a:t>
+            </a:r>
+            <a:r>
+              <a:rPr lang="ru-RU" sz="2400" dirty="0" err="1"/>
+              <a:t>Python</a:t>
+            </a:r>
+            <a:r>
+              <a:rPr lang="ru-RU" sz="2400" dirty="0"/>
+              <a:t> цикл </a:t>
+            </a:r>
+            <a:r>
+              <a:rPr lang="ru-RU" sz="2400" dirty="0" err="1">
+                <a:solidFill>
+                  <a:srgbClr val="FF0000"/>
+                </a:solidFill>
+              </a:rPr>
+              <a:t>while</a:t>
+            </a:r>
+            <a:r>
+              <a:rPr lang="ru-RU" sz="2400" dirty="0"/>
+              <a:t> называется бесконечным циклом.</a:t>
+            </a:r>
+          </a:p>
+          <a:p>
+            <a:pPr marL="0" indent="0">
+              <a:buNone/>
+            </a:pPr>
+            <a:endParaRPr lang="ru-RU" sz="2400" dirty="0" smtClean="0"/>
+          </a:p>
+          <a:p>
+            <a:pPr marL="0" indent="0">
+              <a:buNone/>
+            </a:pPr>
+            <a:r>
+              <a:rPr lang="ru-RU" dirty="0" err="1">
+                <a:solidFill>
+                  <a:srgbClr val="FF0000"/>
+                </a:solidFill>
+              </a:rPr>
+              <a:t>var</a:t>
+            </a:r>
+            <a:r>
+              <a:rPr lang="ru-RU" dirty="0">
+                <a:solidFill>
+                  <a:srgbClr val="FF0000"/>
+                </a:solidFill>
+              </a:rPr>
+              <a:t> = </a:t>
+            </a:r>
+            <a:r>
+              <a:rPr lang="ru-RU" dirty="0" smtClean="0">
+                <a:solidFill>
+                  <a:srgbClr val="FF0000"/>
+                </a:solidFill>
+              </a:rPr>
+              <a:t>1</a:t>
+            </a:r>
+          </a:p>
+          <a:p>
+            <a:pPr marL="0" indent="0">
+              <a:buNone/>
+            </a:pPr>
+            <a:r>
+              <a:rPr lang="ru-RU" dirty="0" err="1" smtClean="0"/>
+              <a:t>while</a:t>
+            </a:r>
+            <a:r>
+              <a:rPr lang="ru-RU" dirty="0" smtClean="0"/>
+              <a:t> </a:t>
+            </a:r>
+            <a:r>
+              <a:rPr lang="ru-RU" dirty="0" err="1"/>
+              <a:t>var</a:t>
+            </a:r>
+            <a:r>
+              <a:rPr lang="ru-RU" dirty="0"/>
+              <a:t> == 1 : </a:t>
+            </a:r>
+            <a:r>
+              <a:rPr lang="ru-RU" i="1" dirty="0" smtClean="0">
+                <a:solidFill>
+                  <a:srgbClr val="FFC000"/>
+                </a:solidFill>
+              </a:rPr>
+              <a:t># </a:t>
+            </a:r>
+            <a:r>
+              <a:rPr lang="ru-RU" i="1" dirty="0">
+                <a:solidFill>
+                  <a:srgbClr val="FFC000"/>
+                </a:solidFill>
+              </a:rPr>
+              <a:t>Это создает бесконечный </a:t>
+            </a:r>
+            <a:r>
+              <a:rPr lang="ru-RU" i="1" dirty="0" smtClean="0">
+                <a:solidFill>
+                  <a:srgbClr val="FFC000"/>
+                </a:solidFill>
+              </a:rPr>
+              <a:t>цикл</a:t>
+            </a:r>
+            <a:endParaRPr lang="ru-RU" dirty="0">
+              <a:solidFill>
+                <a:srgbClr val="FFC000"/>
+              </a:solidFill>
+            </a:endParaRPr>
+          </a:p>
+          <a:p>
+            <a:pPr marL="0" indent="0">
+              <a:buNone/>
+            </a:pPr>
+            <a:r>
+              <a:rPr lang="ru-RU" dirty="0" smtClean="0"/>
+              <a:t>	</a:t>
+            </a:r>
+            <a:r>
+              <a:rPr lang="ru-RU" dirty="0" err="1" smtClean="0"/>
+              <a:t>num</a:t>
+            </a:r>
+            <a:r>
+              <a:rPr lang="ru-RU" dirty="0" smtClean="0"/>
+              <a:t> </a:t>
+            </a:r>
+            <a:r>
+              <a:rPr lang="ru-RU" dirty="0"/>
+              <a:t>= </a:t>
+            </a:r>
+            <a:r>
+              <a:rPr lang="ru-RU" dirty="0" err="1" smtClean="0"/>
+              <a:t>input</a:t>
+            </a:r>
+            <a:r>
+              <a:rPr lang="ru-RU" dirty="0"/>
+              <a:t>("Введите число</a:t>
+            </a:r>
+            <a:r>
+              <a:rPr lang="ru-RU" dirty="0" smtClean="0"/>
+              <a:t>:")</a:t>
+            </a:r>
+          </a:p>
+          <a:p>
+            <a:pPr marL="0" indent="0">
+              <a:buNone/>
+            </a:pPr>
+            <a:r>
+              <a:rPr lang="ru-RU" dirty="0" smtClean="0"/>
+              <a:t>	</a:t>
+            </a:r>
+            <a:r>
+              <a:rPr lang="ru-RU" dirty="0" err="1" smtClean="0">
+                <a:solidFill>
+                  <a:srgbClr val="00B050"/>
+                </a:solidFill>
+              </a:rPr>
+              <a:t>print</a:t>
+            </a:r>
+            <a:r>
+              <a:rPr lang="ru-RU" dirty="0" smtClean="0">
+                <a:solidFill>
+                  <a:srgbClr val="00B050"/>
+                </a:solidFill>
+              </a:rPr>
+              <a:t> (</a:t>
+            </a:r>
+            <a:r>
+              <a:rPr lang="en-US" dirty="0">
+                <a:solidFill>
+                  <a:srgbClr val="00B050"/>
+                </a:solidFill>
+              </a:rPr>
+              <a:t>f</a:t>
+            </a:r>
+            <a:r>
+              <a:rPr lang="ru-RU" dirty="0" smtClean="0">
+                <a:solidFill>
+                  <a:srgbClr val="00B050"/>
+                </a:solidFill>
+              </a:rPr>
+              <a:t>"Вы </a:t>
+            </a:r>
+            <a:r>
+              <a:rPr lang="ru-RU" dirty="0">
+                <a:solidFill>
+                  <a:srgbClr val="00B050"/>
+                </a:solidFill>
+              </a:rPr>
+              <a:t>ввели: </a:t>
+            </a:r>
+            <a:r>
+              <a:rPr lang="en-US" dirty="0" smtClean="0">
+                <a:solidFill>
+                  <a:srgbClr val="00B050"/>
+                </a:solidFill>
+              </a:rPr>
+              <a:t>{</a:t>
+            </a:r>
+            <a:r>
+              <a:rPr lang="en-US" dirty="0" err="1" smtClean="0">
+                <a:solidFill>
+                  <a:srgbClr val="00B050"/>
+                </a:solidFill>
+              </a:rPr>
+              <a:t>num</a:t>
+            </a:r>
+            <a:r>
+              <a:rPr lang="en-US" dirty="0" smtClean="0">
+                <a:solidFill>
+                  <a:srgbClr val="00B050"/>
+                </a:solidFill>
+              </a:rPr>
+              <a:t>}</a:t>
+            </a:r>
+            <a:r>
+              <a:rPr lang="ru-RU" dirty="0" smtClean="0">
+                <a:solidFill>
+                  <a:srgbClr val="00B050"/>
+                </a:solidFill>
+              </a:rPr>
+              <a:t>")</a:t>
+            </a:r>
+          </a:p>
+          <a:p>
+            <a:pPr marL="0" indent="0">
+              <a:buNone/>
+            </a:pPr>
+            <a:r>
+              <a:rPr lang="ru-RU" dirty="0" err="1" smtClean="0">
+                <a:solidFill>
+                  <a:srgbClr val="00B050"/>
+                </a:solidFill>
+              </a:rPr>
+              <a:t>print</a:t>
+            </a:r>
+            <a:r>
+              <a:rPr lang="ru-RU" dirty="0" smtClean="0">
+                <a:solidFill>
+                  <a:srgbClr val="00B050"/>
+                </a:solidFill>
+              </a:rPr>
+              <a:t> ("</a:t>
+            </a:r>
+            <a:r>
+              <a:rPr lang="en-US" dirty="0" smtClean="0">
+                <a:solidFill>
+                  <a:srgbClr val="00B050"/>
+                </a:solidFill>
+              </a:rPr>
+              <a:t>GG</a:t>
+            </a:r>
+            <a:r>
+              <a:rPr lang="ru-RU" dirty="0" smtClean="0">
+                <a:solidFill>
+                  <a:srgbClr val="00B050"/>
+                </a:solidFill>
+              </a:rPr>
+              <a:t>!")</a:t>
+            </a:r>
+            <a:endParaRPr lang="ru-RU" sz="2400" dirty="0">
+              <a:solidFill>
+                <a:srgbClr val="00B050"/>
+              </a:solidFill>
+            </a:endParaRPr>
+          </a:p>
+        </p:txBody>
+      </p:sp>
+    </p:spTree>
+    <p:extLst>
+      <p:ext uri="{BB962C8B-B14F-4D97-AF65-F5344CB8AC3E}">
+        <p14:creationId xmlns:p14="http://schemas.microsoft.com/office/powerpoint/2010/main" val="1059228964"/>
+      </p:ext>
+    </p:extLst>
+  </p:cSld>
+  <p:clrMapOvr>
+    <a:masterClrMapping/>
+  </p:clrMapOvr>
+</p:sld>
+</file>
+
+<file path=ppt/slides/slide23.xml><?xml version="1.0" encoding="utf-8"?>
+<p:sld xmlns:a="http://schemas.openxmlformats.org/drawingml/2006/main" xmlns:r="http://schemas.openxmlformats.org/officeDocument/2006/relationships" xmlns:p="http://schemas.openxmlformats.org/presentationml/2006/main">
+  <p:cSld>
+    <p:spTree>
+      <p:nvGrpSpPr>
+        <p:cNvPr id="1" name=""/>
+        <p:cNvGrpSpPr/>
+        <p:nvPr/>
+      </p:nvGrpSpPr>
+      <p:grpSpPr>
+        <a:xfrm>
+          <a:off x="0" y="0"/>
+          <a:ext cx="0" cy="0"/>
+          <a:chOff x="0" y="0"/>
+          <a:chExt cx="0" cy="0"/>
+        </a:xfrm>
+      </p:grpSpPr>
+      <p:sp>
+        <p:nvSpPr>
+          <p:cNvPr id="2" name="Заголовок 1"/>
+          <p:cNvSpPr>
+            <a:spLocks noGrp="1"/>
+          </p:cNvSpPr>
+          <p:nvPr>
+            <p:ph type="title"/>
+          </p:nvPr>
+        </p:nvSpPr>
+        <p:spPr/>
+        <p:txBody>
+          <a:bodyPr>
+            <a:normAutofit/>
+          </a:bodyPr>
+          <a:lstStyle/>
+          <a:p>
+            <a:r>
+              <a:rPr lang="ru-RU" sz="4000" b="1" dirty="0">
+                <a:solidFill>
+                  <a:srgbClr val="FF0000"/>
+                </a:solidFill>
+              </a:rPr>
+              <a:t>Использование оператора </a:t>
+            </a:r>
+            <a:r>
+              <a:rPr lang="ru-RU" sz="4000" b="1" dirty="0" err="1">
+                <a:solidFill>
+                  <a:srgbClr val="FF0000"/>
+                </a:solidFill>
+              </a:rPr>
+              <a:t>else</a:t>
+            </a:r>
+            <a:r>
+              <a:rPr lang="ru-RU" sz="4000" b="1" dirty="0">
+                <a:solidFill>
+                  <a:srgbClr val="FF0000"/>
+                </a:solidFill>
+              </a:rPr>
+              <a:t> с циклом </a:t>
+            </a:r>
+            <a:r>
+              <a:rPr lang="ru-RU" sz="4000" b="1" dirty="0" err="1" smtClean="0">
+                <a:solidFill>
+                  <a:srgbClr val="FF0000"/>
+                </a:solidFill>
+              </a:rPr>
+              <a:t>while</a:t>
+            </a:r>
+            <a:endParaRPr lang="ru-RU" sz="4000" dirty="0">
+              <a:solidFill>
+                <a:srgbClr val="FF0000"/>
+              </a:solidFill>
+            </a:endParaRPr>
+          </a:p>
+        </p:txBody>
+      </p:sp>
+      <p:sp>
+        <p:nvSpPr>
+          <p:cNvPr id="3" name="Объект 2"/>
+          <p:cNvSpPr>
+            <a:spLocks noGrp="1"/>
+          </p:cNvSpPr>
+          <p:nvPr>
+            <p:ph idx="1"/>
+          </p:nvPr>
+        </p:nvSpPr>
+        <p:spPr/>
+        <p:txBody>
+          <a:bodyPr>
+            <a:normAutofit/>
+          </a:bodyPr>
+          <a:lstStyle/>
+          <a:p>
+            <a:pPr marL="0" indent="0">
+              <a:buNone/>
+            </a:pPr>
+            <a:r>
+              <a:rPr lang="en-US" sz="2400" dirty="0">
+                <a:solidFill>
+                  <a:srgbClr val="FF0000"/>
+                </a:solidFill>
+              </a:rPr>
+              <a:t>count = </a:t>
+            </a:r>
+            <a:r>
+              <a:rPr lang="en-US" sz="2400" dirty="0" smtClean="0">
+                <a:solidFill>
+                  <a:srgbClr val="FF0000"/>
+                </a:solidFill>
+              </a:rPr>
+              <a:t>0</a:t>
+            </a:r>
+          </a:p>
+          <a:p>
+            <a:pPr marL="0" indent="0">
+              <a:buNone/>
+            </a:pPr>
+            <a:r>
+              <a:rPr lang="en-US" sz="2400" dirty="0" smtClean="0"/>
+              <a:t>while </a:t>
+            </a:r>
+            <a:r>
+              <a:rPr lang="en-US" sz="2400" dirty="0"/>
+              <a:t>count &lt; </a:t>
+            </a:r>
+            <a:r>
+              <a:rPr lang="en-US" sz="2400" dirty="0" smtClean="0"/>
+              <a:t>5:</a:t>
+            </a:r>
+          </a:p>
+          <a:p>
+            <a:pPr marL="457200" lvl="1" indent="0">
+              <a:buNone/>
+            </a:pPr>
+            <a:r>
+              <a:rPr lang="en-US" dirty="0" smtClean="0">
+                <a:solidFill>
+                  <a:srgbClr val="00B050"/>
+                </a:solidFill>
+              </a:rPr>
+              <a:t>print (f"{count} </a:t>
+            </a:r>
+            <a:r>
+              <a:rPr lang="en-US" dirty="0" err="1">
+                <a:solidFill>
+                  <a:srgbClr val="00B050"/>
+                </a:solidFill>
+              </a:rPr>
+              <a:t>меньше</a:t>
+            </a:r>
+            <a:r>
+              <a:rPr lang="en-US" dirty="0">
+                <a:solidFill>
+                  <a:srgbClr val="00B050"/>
+                </a:solidFill>
+              </a:rPr>
+              <a:t> </a:t>
+            </a:r>
+            <a:r>
+              <a:rPr lang="en-US" dirty="0" smtClean="0">
+                <a:solidFill>
+                  <a:srgbClr val="00B050"/>
+                </a:solidFill>
+              </a:rPr>
+              <a:t>5")</a:t>
+            </a:r>
+          </a:p>
+          <a:p>
+            <a:pPr marL="457200" lvl="1" indent="0">
+              <a:buNone/>
+            </a:pPr>
+            <a:r>
+              <a:rPr lang="en-US" dirty="0" smtClean="0"/>
+              <a:t>count </a:t>
+            </a:r>
+            <a:r>
+              <a:rPr lang="en-US" dirty="0"/>
+              <a:t>= count + </a:t>
+            </a:r>
+            <a:r>
+              <a:rPr lang="en-US" dirty="0" smtClean="0"/>
+              <a:t>1</a:t>
+            </a:r>
+          </a:p>
+          <a:p>
+            <a:pPr marL="0" lvl="1" indent="0">
+              <a:buNone/>
+            </a:pPr>
+            <a:r>
+              <a:rPr lang="en-US" dirty="0" smtClean="0"/>
+              <a:t>else:</a:t>
+            </a:r>
+          </a:p>
+          <a:p>
+            <a:pPr marL="0" lvl="1" indent="0" defTabSz="444500">
+              <a:buNone/>
+            </a:pPr>
+            <a:r>
+              <a:rPr lang="en-US" dirty="0"/>
+              <a:t>	</a:t>
+            </a:r>
+            <a:r>
+              <a:rPr lang="en-US" dirty="0" smtClean="0">
+                <a:solidFill>
+                  <a:srgbClr val="00B050"/>
+                </a:solidFill>
+              </a:rPr>
+              <a:t>print </a:t>
+            </a:r>
+            <a:r>
+              <a:rPr lang="en-US" dirty="0">
+                <a:solidFill>
+                  <a:srgbClr val="00B050"/>
+                </a:solidFill>
+              </a:rPr>
+              <a:t>(f"{count} </a:t>
+            </a:r>
+            <a:r>
+              <a:rPr lang="ru-RU" dirty="0" smtClean="0">
+                <a:solidFill>
+                  <a:srgbClr val="00B050"/>
+                </a:solidFill>
+              </a:rPr>
+              <a:t>не </a:t>
+            </a:r>
+            <a:r>
+              <a:rPr lang="en-US" dirty="0" err="1" smtClean="0">
+                <a:solidFill>
+                  <a:srgbClr val="00B050"/>
+                </a:solidFill>
+              </a:rPr>
+              <a:t>меньше</a:t>
+            </a:r>
+            <a:r>
+              <a:rPr lang="en-US" dirty="0" smtClean="0">
+                <a:solidFill>
+                  <a:srgbClr val="00B050"/>
+                </a:solidFill>
+              </a:rPr>
+              <a:t> </a:t>
+            </a:r>
+            <a:r>
+              <a:rPr lang="en-US" dirty="0">
+                <a:solidFill>
+                  <a:srgbClr val="00B050"/>
+                </a:solidFill>
+              </a:rPr>
+              <a:t>5")</a:t>
+            </a:r>
+          </a:p>
+          <a:p>
+            <a:pPr marL="0" lvl="1" indent="0">
+              <a:buNone/>
+            </a:pPr>
+            <a:endParaRPr lang="ru-RU" dirty="0"/>
+          </a:p>
+        </p:txBody>
+      </p:sp>
+    </p:spTree>
+    <p:extLst>
+      <p:ext uri="{BB962C8B-B14F-4D97-AF65-F5344CB8AC3E}">
+        <p14:creationId xmlns:p14="http://schemas.microsoft.com/office/powerpoint/2010/main" val="2232956455"/>
+      </p:ext>
+    </p:extLst>
+  </p:cSld>
+  <p:clrMapOvr>
+    <a:masterClrMapping/>
+  </p:clrMapOvr>
+</p:sld>
+</file>
+
+<file path=ppt/slides/slide24.xml><?xml version="1.0" encoding="utf-8"?>
+<p:sld xmlns:a="http://schemas.openxmlformats.org/drawingml/2006/main" xmlns:r="http://schemas.openxmlformats.org/officeDocument/2006/relationships" xmlns:p="http://schemas.openxmlformats.org/presentationml/2006/main">
+  <p:cSld>
+    <p:spTree>
+      <p:nvGrpSpPr>
+        <p:cNvPr id="1" name=""/>
+        <p:cNvGrpSpPr/>
+        <p:nvPr/>
+      </p:nvGrpSpPr>
+      <p:grpSpPr>
+        <a:xfrm>
+          <a:off x="0" y="0"/>
+          <a:ext cx="0" cy="0"/>
+          <a:chOff x="0" y="0"/>
+          <a:chExt cx="0" cy="0"/>
+        </a:xfrm>
+      </p:grpSpPr>
+      <p:sp>
+        <p:nvSpPr>
+          <p:cNvPr id="2" name="Заголовок 1"/>
+          <p:cNvSpPr>
+            <a:spLocks noGrp="1"/>
+          </p:cNvSpPr>
+          <p:nvPr>
+            <p:ph type="title"/>
+          </p:nvPr>
+        </p:nvSpPr>
+        <p:spPr/>
+        <p:txBody>
+          <a:bodyPr/>
+          <a:lstStyle/>
+          <a:p>
+            <a:r>
+              <a:rPr lang="ru-RU" dirty="0" smtClean="0">
+                <a:solidFill>
+                  <a:srgbClr val="FF0000"/>
+                </a:solidFill>
+              </a:rPr>
+              <a:t>Циклы могут быть вложенными</a:t>
+            </a:r>
+            <a:endParaRPr lang="ru-RU" dirty="0">
+              <a:solidFill>
+                <a:srgbClr val="FF0000"/>
+              </a:solidFill>
+            </a:endParaRPr>
+          </a:p>
+        </p:txBody>
+      </p:sp>
+      <p:sp>
+        <p:nvSpPr>
+          <p:cNvPr id="3" name="Содержимое 2"/>
+          <p:cNvSpPr>
+            <a:spLocks noGrp="1"/>
+          </p:cNvSpPr>
+          <p:nvPr>
+            <p:ph idx="1"/>
+          </p:nvPr>
+        </p:nvSpPr>
+        <p:spPr/>
+        <p:txBody>
+          <a:bodyPr/>
+          <a:lstStyle/>
+          <a:p>
+            <a:pPr marL="0" indent="0">
+              <a:buNone/>
+            </a:pPr>
+            <a:r>
+              <a:rPr lang="ru-RU" dirty="0" smtClean="0"/>
+              <a:t>Вот пример создания двумерного списка и вывода его на экран с помощью </a:t>
+            </a:r>
+            <a:r>
+              <a:rPr lang="ru-RU" dirty="0" err="1" smtClean="0"/>
+              <a:t>print</a:t>
+            </a:r>
+            <a:r>
+              <a:rPr lang="ru-RU" dirty="0" smtClean="0"/>
+              <a:t>.</a:t>
+            </a:r>
+          </a:p>
+          <a:p>
+            <a:endParaRPr lang="ru-RU" dirty="0" smtClean="0"/>
+          </a:p>
+          <a:p>
+            <a:pPr>
+              <a:buNone/>
+            </a:pPr>
+            <a:r>
+              <a:rPr lang="en-US" dirty="0" smtClean="0">
+                <a:solidFill>
+                  <a:srgbClr val="FF0000"/>
+                </a:solidFill>
+              </a:rPr>
+              <a:t>d = [[1,2,3],[4,5,6]]</a:t>
+            </a:r>
+            <a:endParaRPr lang="ru-RU" dirty="0" smtClean="0">
+              <a:solidFill>
+                <a:srgbClr val="FF0000"/>
+              </a:solidFill>
+            </a:endParaRPr>
+          </a:p>
+          <a:p>
+            <a:pPr>
+              <a:buNone/>
+            </a:pPr>
+            <a:r>
+              <a:rPr lang="en-US" dirty="0" smtClean="0">
+                <a:solidFill>
+                  <a:srgbClr val="FF0000"/>
+                </a:solidFill>
+              </a:rPr>
+              <a:t> for </a:t>
+            </a:r>
+            <a:r>
+              <a:rPr lang="en-US" dirty="0" err="1" smtClean="0">
+                <a:solidFill>
+                  <a:srgbClr val="FF0000"/>
+                </a:solidFill>
+              </a:rPr>
+              <a:t>i</a:t>
+            </a:r>
+            <a:r>
+              <a:rPr lang="en-US" dirty="0" smtClean="0">
+                <a:solidFill>
+                  <a:srgbClr val="FF0000"/>
+                </a:solidFill>
+              </a:rPr>
+              <a:t> in range(2):</a:t>
+            </a:r>
+            <a:endParaRPr lang="ru-RU" dirty="0" smtClean="0">
+              <a:solidFill>
+                <a:srgbClr val="FF0000"/>
+              </a:solidFill>
+            </a:endParaRPr>
+          </a:p>
+          <a:p>
+            <a:pPr lvl="1">
+              <a:buNone/>
+            </a:pPr>
+            <a:r>
+              <a:rPr lang="en-US" dirty="0" smtClean="0">
+                <a:solidFill>
+                  <a:srgbClr val="FF0000"/>
+                </a:solidFill>
+              </a:rPr>
+              <a:t> for j in range(3): </a:t>
+            </a:r>
+            <a:endParaRPr lang="ru-RU" dirty="0" smtClean="0">
+              <a:solidFill>
+                <a:srgbClr val="FF0000"/>
+              </a:solidFill>
+            </a:endParaRPr>
+          </a:p>
+          <a:p>
+            <a:pPr lvl="1">
+              <a:buNone/>
+            </a:pPr>
+            <a:r>
+              <a:rPr lang="ru-RU" dirty="0" smtClean="0">
+                <a:solidFill>
+                  <a:srgbClr val="FF0000"/>
+                </a:solidFill>
+              </a:rPr>
+              <a:t>		</a:t>
+            </a:r>
+            <a:r>
+              <a:rPr lang="en-US" dirty="0" smtClean="0">
+                <a:solidFill>
+                  <a:srgbClr val="FF0000"/>
+                </a:solidFill>
+              </a:rPr>
+              <a:t>print(d[</a:t>
+            </a:r>
+            <a:r>
+              <a:rPr lang="en-US" dirty="0" err="1" smtClean="0">
+                <a:solidFill>
+                  <a:srgbClr val="FF0000"/>
+                </a:solidFill>
+              </a:rPr>
+              <a:t>i</a:t>
+            </a:r>
+            <a:r>
+              <a:rPr lang="en-US" dirty="0" smtClean="0">
+                <a:solidFill>
+                  <a:srgbClr val="FF0000"/>
+                </a:solidFill>
+              </a:rPr>
+              <a:t>][j])</a:t>
+            </a:r>
+            <a:endParaRPr lang="ru-RU" dirty="0">
+              <a:solidFill>
+                <a:srgbClr val="FF0000"/>
+              </a:solidFill>
+            </a:endParaRPr>
+          </a:p>
+        </p:txBody>
+      </p:sp>
+    </p:spTree>
+    <p:extLst>
+      <p:ext uri="{BB962C8B-B14F-4D97-AF65-F5344CB8AC3E}">
+        <p14:creationId xmlns:p14="http://schemas.microsoft.com/office/powerpoint/2010/main" val="1745943514"/>
+      </p:ext>
+    </p:extLst>
+  </p:cSld>
+  <p:clrMapOvr>
+    <a:masterClrMapping/>
+  </p:clrMapOvr>
+  <p:timing>
+    <p:tnLst>
+      <p:par>
+        <p:cTn id="1" dur="indefinite" restart="never" nodeType="tmRoot"/>
+      </p:par>
+    </p:tnLst>
+  </p:timing>
+</p:sld>
+</file>
+
+<file path=ppt/slides/slide25.xml><?xml version="1.0" encoding="utf-8"?>
+<p:sld xmlns:a="http://schemas.openxmlformats.org/drawingml/2006/main" xmlns:r="http://schemas.openxmlformats.org/officeDocument/2006/relationships" xmlns:p="http://schemas.openxmlformats.org/presentationml/2006/main">
+  <p:cSld>
+    <p:spTree>
+      <p:nvGrpSpPr>
+        <p:cNvPr id="1" name=""/>
+        <p:cNvGrpSpPr/>
+        <p:nvPr/>
+      </p:nvGrpSpPr>
+      <p:grpSpPr>
+        <a:xfrm>
+          <a:off x="0" y="0"/>
+          <a:ext cx="0" cy="0"/>
+          <a:chOff x="0" y="0"/>
+          <a:chExt cx="0" cy="0"/>
+        </a:xfrm>
+      </p:grpSpPr>
+      <p:sp>
+        <p:nvSpPr>
+          <p:cNvPr id="2" name="Заголовок 1"/>
+          <p:cNvSpPr>
+            <a:spLocks noGrp="1"/>
+          </p:cNvSpPr>
+          <p:nvPr>
+            <p:ph type="title"/>
+          </p:nvPr>
+        </p:nvSpPr>
+        <p:spPr/>
+        <p:txBody>
+          <a:bodyPr/>
+          <a:lstStyle/>
+          <a:p>
+            <a:r>
+              <a:rPr lang="ru-RU" dirty="0" smtClean="0"/>
+              <a:t> </a:t>
+            </a:r>
+            <a:endParaRPr lang="ru-RU" dirty="0"/>
+          </a:p>
+        </p:txBody>
+      </p:sp>
+      <p:sp>
+        <p:nvSpPr>
+          <p:cNvPr id="3" name="Содержимое 2"/>
+          <p:cNvSpPr>
+            <a:spLocks noGrp="1"/>
+          </p:cNvSpPr>
+          <p:nvPr>
+            <p:ph idx="1"/>
+          </p:nvPr>
+        </p:nvSpPr>
+        <p:spPr>
+          <a:xfrm>
+            <a:off x="1981200" y="1785927"/>
+            <a:ext cx="8229600" cy="4340237"/>
+          </a:xfrm>
+        </p:spPr>
+        <p:txBody>
+          <a:bodyPr/>
+          <a:lstStyle/>
+          <a:p>
+            <a:pPr algn="ctr">
+              <a:buNone/>
+            </a:pPr>
+            <a:r>
+              <a:rPr lang="ru-RU" dirty="0" smtClean="0"/>
+              <a:t>Действия циклов можно менять благодаря некоторым командам</a:t>
+            </a:r>
+            <a:r>
+              <a:rPr lang="en-US" dirty="0" smtClean="0"/>
+              <a:t>, </a:t>
+            </a:r>
+            <a:r>
+              <a:rPr lang="ru-RU" dirty="0" smtClean="0"/>
+              <a:t>таким как </a:t>
+            </a:r>
+            <a:r>
+              <a:rPr lang="en-US" dirty="0" smtClean="0">
+                <a:solidFill>
+                  <a:srgbClr val="FF0000"/>
+                </a:solidFill>
+              </a:rPr>
+              <a:t>if, else, continue, </a:t>
+            </a:r>
+            <a:r>
+              <a:rPr lang="en-US" dirty="0" smtClean="0">
+                <a:solidFill>
+                  <a:srgbClr val="FF0000"/>
+                </a:solidFill>
+              </a:rPr>
+              <a:t>break, pass</a:t>
+            </a:r>
+            <a:endParaRPr lang="ru-RU" dirty="0">
+              <a:solidFill>
+                <a:srgbClr val="FF0000"/>
+              </a:solidFill>
+            </a:endParaRPr>
+          </a:p>
+        </p:txBody>
+      </p:sp>
+    </p:spTree>
+    <p:extLst>
+      <p:ext uri="{BB962C8B-B14F-4D97-AF65-F5344CB8AC3E}">
+        <p14:creationId xmlns:p14="http://schemas.microsoft.com/office/powerpoint/2010/main" val="296128949"/>
+      </p:ext>
+    </p:extLst>
+  </p:cSld>
+  <p:clrMapOvr>
+    <a:masterClrMapping/>
+  </p:clrMapOvr>
+  <p:timing>
+    <p:tnLst>
+      <p:par>
+        <p:cTn id="1" dur="indefinite" restart="never" nodeType="tmRoot"/>
+      </p:par>
+    </p:tnLst>
+  </p:timing>
+</p:sld>
+</file>
+
+<file path=ppt/slides/slide26.xml><?xml version="1.0" encoding="utf-8"?>
+<p:sld xmlns:a="http://schemas.openxmlformats.org/drawingml/2006/main" xmlns:r="http://schemas.openxmlformats.org/officeDocument/2006/relationships" xmlns:p="http://schemas.openxmlformats.org/presentationml/2006/main">
+  <p:cSld>
+    <p:spTree>
+      <p:nvGrpSpPr>
+        <p:cNvPr id="1" name=""/>
+        <p:cNvGrpSpPr/>
+        <p:nvPr/>
+      </p:nvGrpSpPr>
+      <p:grpSpPr>
+        <a:xfrm>
+          <a:off x="0" y="0"/>
+          <a:ext cx="0" cy="0"/>
+          <a:chOff x="0" y="0"/>
+          <a:chExt cx="0" cy="0"/>
+        </a:xfrm>
+      </p:grpSpPr>
+      <p:sp>
+        <p:nvSpPr>
+          <p:cNvPr id="2" name="Заголовок 1"/>
+          <p:cNvSpPr>
+            <a:spLocks noGrp="1"/>
+          </p:cNvSpPr>
+          <p:nvPr>
+            <p:ph type="title"/>
+          </p:nvPr>
+        </p:nvSpPr>
+        <p:spPr/>
+        <p:txBody>
+          <a:bodyPr/>
+          <a:lstStyle/>
+          <a:p>
+            <a:r>
+              <a:rPr lang="en-US" dirty="0" smtClean="0">
+                <a:solidFill>
+                  <a:srgbClr val="FF0000"/>
+                </a:solidFill>
+              </a:rPr>
+              <a:t>break</a:t>
+            </a:r>
+            <a:endParaRPr lang="ru-RU" dirty="0">
+              <a:solidFill>
+                <a:srgbClr val="FF0000"/>
+              </a:solidFill>
+            </a:endParaRPr>
+          </a:p>
+        </p:txBody>
+      </p:sp>
+      <p:sp>
+        <p:nvSpPr>
+          <p:cNvPr id="3" name="Содержимое 2"/>
+          <p:cNvSpPr>
+            <a:spLocks noGrp="1"/>
+          </p:cNvSpPr>
+          <p:nvPr>
+            <p:ph idx="1"/>
+          </p:nvPr>
+        </p:nvSpPr>
+        <p:spPr/>
+        <p:txBody>
+          <a:bodyPr/>
+          <a:lstStyle/>
+          <a:p>
+            <a:r>
+              <a:rPr lang="ru-RU" b="1" dirty="0" smtClean="0"/>
+              <a:t>Команда </a:t>
+            </a:r>
+            <a:r>
+              <a:rPr lang="ru-RU" b="1" dirty="0" err="1" smtClean="0"/>
+              <a:t>break</a:t>
+            </a:r>
+            <a:r>
+              <a:rPr lang="ru-RU" b="1" dirty="0" smtClean="0"/>
+              <a:t> в </a:t>
+            </a:r>
+            <a:r>
+              <a:rPr lang="ru-RU" b="1" dirty="0" err="1" smtClean="0"/>
+              <a:t>Python</a:t>
+            </a:r>
+            <a:r>
+              <a:rPr lang="ru-RU" dirty="0" smtClean="0"/>
+              <a:t> прекращает выполнение цикла и переводит выполнение программы на строку следующую после цикла.</a:t>
+            </a:r>
+            <a:endParaRPr lang="en-US" dirty="0" smtClean="0"/>
+          </a:p>
+          <a:p>
+            <a:endParaRPr lang="ru-RU" dirty="0" smtClean="0"/>
+          </a:p>
+          <a:p>
+            <a:r>
+              <a:rPr lang="ru-RU" b="1" dirty="0" err="1" smtClean="0"/>
+              <a:t>break</a:t>
+            </a:r>
+            <a:r>
+              <a:rPr lang="ru-RU" dirty="0" smtClean="0"/>
+              <a:t> работает как в цикле </a:t>
+            </a:r>
+            <a:r>
+              <a:rPr lang="ru-RU" b="1" dirty="0" err="1" smtClean="0"/>
+              <a:t>while</a:t>
+            </a:r>
+            <a:r>
+              <a:rPr lang="ru-RU" dirty="0" smtClean="0"/>
+              <a:t> так и в цикле </a:t>
+            </a:r>
+            <a:r>
+              <a:rPr lang="ru-RU" b="1" dirty="0" err="1" smtClean="0"/>
+              <a:t>for</a:t>
+            </a:r>
+            <a:r>
+              <a:rPr lang="ru-RU" dirty="0" smtClean="0"/>
+              <a:t>. Например</a:t>
+            </a:r>
+            <a:r>
+              <a:rPr lang="en-US" dirty="0" smtClean="0"/>
+              <a:t>:</a:t>
+            </a:r>
+            <a:endParaRPr lang="ru-RU" dirty="0" smtClean="0"/>
+          </a:p>
+          <a:p>
+            <a:endParaRPr lang="ru-RU" dirty="0"/>
+          </a:p>
+        </p:txBody>
+      </p:sp>
+    </p:spTree>
+    <p:extLst>
+      <p:ext uri="{BB962C8B-B14F-4D97-AF65-F5344CB8AC3E}">
+        <p14:creationId xmlns:p14="http://schemas.microsoft.com/office/powerpoint/2010/main" val="2884912403"/>
+      </p:ext>
+    </p:extLst>
+  </p:cSld>
+  <p:clrMapOvr>
+    <a:masterClrMapping/>
+  </p:clrMapOvr>
+  <p:timing>
+    <p:tnLst>
+      <p:par>
+        <p:cTn id="1" dur="indefinite" restart="never" nodeType="tmRoot"/>
+      </p:par>
+    </p:tnLst>
+  </p:timing>
+</p:sld>
+</file>
+
+<file path=ppt/slides/slide27.xml><?xml version="1.0" encoding="utf-8"?>
+<p:sld xmlns:a="http://schemas.openxmlformats.org/drawingml/2006/main" xmlns:r="http://schemas.openxmlformats.org/officeDocument/2006/relationships" xmlns:p="http://schemas.openxmlformats.org/presentationml/2006/main">
+  <p:cSld>
+    <p:spTree>
+      <p:nvGrpSpPr>
+        <p:cNvPr id="1" name=""/>
+        <p:cNvGrpSpPr/>
+        <p:nvPr/>
+      </p:nvGrpSpPr>
+      <p:grpSpPr>
+        <a:xfrm>
+          <a:off x="0" y="0"/>
+          <a:ext cx="0" cy="0"/>
+          <a:chOff x="0" y="0"/>
+          <a:chExt cx="0" cy="0"/>
+        </a:xfrm>
+      </p:grpSpPr>
+      <p:sp>
+        <p:nvSpPr>
+          <p:cNvPr id="2" name="Заголовок 1"/>
+          <p:cNvSpPr>
+            <a:spLocks noGrp="1"/>
+          </p:cNvSpPr>
+          <p:nvPr>
+            <p:ph type="title"/>
+          </p:nvPr>
+        </p:nvSpPr>
+        <p:spPr/>
+        <p:txBody>
+          <a:bodyPr/>
+          <a:lstStyle/>
+          <a:p>
+            <a:r>
+              <a:rPr lang="en-US" dirty="0" smtClean="0"/>
+              <a:t> </a:t>
+            </a:r>
+            <a:endParaRPr lang="ru-RU" dirty="0"/>
+          </a:p>
+        </p:txBody>
+      </p:sp>
+      <p:pic>
+        <p:nvPicPr>
+          <p:cNvPr id="4" name="Содержимое 3" descr="19.JPG"/>
+          <p:cNvPicPr>
+            <a:picLocks noGrp="1" noChangeAspect="1"/>
+          </p:cNvPicPr>
+          <p:nvPr>
+            <p:ph idx="1"/>
+          </p:nvPr>
+        </p:nvPicPr>
+        <p:blipFill>
+          <a:blip r:embed="rId2"/>
+          <a:stretch>
+            <a:fillRect/>
+          </a:stretch>
+        </p:blipFill>
+        <p:spPr>
+          <a:xfrm>
+            <a:off x="838200" y="1521151"/>
+            <a:ext cx="10973572" cy="4180957"/>
+          </a:xfrm>
+        </p:spPr>
+      </p:pic>
+    </p:spTree>
+    <p:extLst>
+      <p:ext uri="{BB962C8B-B14F-4D97-AF65-F5344CB8AC3E}">
+        <p14:creationId xmlns:p14="http://schemas.microsoft.com/office/powerpoint/2010/main" val="1041766747"/>
+      </p:ext>
+    </p:extLst>
+  </p:cSld>
+  <p:clrMapOvr>
+    <a:masterClrMapping/>
+  </p:clrMapOvr>
+  <p:timing>
+    <p:tnLst>
+      <p:par>
+        <p:cTn id="1" dur="indefinite" restart="never" nodeType="tmRoot"/>
+      </p:par>
+    </p:tnLst>
+  </p:timing>
+</p:sld>
+</file>
+
+<file path=ppt/slides/slide28.xml><?xml version="1.0" encoding="utf-8"?>
+<p:sld xmlns:a="http://schemas.openxmlformats.org/drawingml/2006/main" xmlns:r="http://schemas.openxmlformats.org/officeDocument/2006/relationships" xmlns:p="http://schemas.openxmlformats.org/presentationml/2006/main">
+  <p:cSld>
+    <p:spTree>
+      <p:nvGrpSpPr>
+        <p:cNvPr id="1" name=""/>
+        <p:cNvGrpSpPr/>
+        <p:nvPr/>
+      </p:nvGrpSpPr>
+      <p:grpSpPr>
+        <a:xfrm>
+          <a:off x="0" y="0"/>
+          <a:ext cx="0" cy="0"/>
+          <a:chOff x="0" y="0"/>
+          <a:chExt cx="0" cy="0"/>
+        </a:xfrm>
+      </p:grpSpPr>
+      <p:sp>
+        <p:nvSpPr>
+          <p:cNvPr id="2" name="Заголовок 1"/>
+          <p:cNvSpPr>
+            <a:spLocks noGrp="1"/>
+          </p:cNvSpPr>
+          <p:nvPr>
+            <p:ph type="title"/>
+          </p:nvPr>
+        </p:nvSpPr>
+        <p:spPr/>
+        <p:txBody>
+          <a:bodyPr/>
+          <a:lstStyle/>
+          <a:p>
+            <a:r>
+              <a:rPr lang="en-US" dirty="0" smtClean="0">
+                <a:solidFill>
+                  <a:srgbClr val="FF0000"/>
+                </a:solidFill>
+              </a:rPr>
+              <a:t>continue</a:t>
+            </a:r>
+            <a:endParaRPr lang="ru-RU" dirty="0">
+              <a:solidFill>
+                <a:srgbClr val="FF0000"/>
+              </a:solidFill>
+            </a:endParaRPr>
+          </a:p>
+        </p:txBody>
+      </p:sp>
+      <p:sp>
+        <p:nvSpPr>
+          <p:cNvPr id="3" name="Содержимое 2"/>
+          <p:cNvSpPr>
+            <a:spLocks noGrp="1"/>
+          </p:cNvSpPr>
+          <p:nvPr>
+            <p:ph idx="1"/>
+          </p:nvPr>
+        </p:nvSpPr>
+        <p:spPr/>
+        <p:txBody>
+          <a:bodyPr/>
+          <a:lstStyle/>
+          <a:p>
+            <a:pPr fontAlgn="base"/>
+            <a:r>
+              <a:rPr lang="ru-RU" dirty="0" smtClean="0"/>
+              <a:t>Другая инструкция, которая может менять цикл, – это </a:t>
+            </a:r>
+            <a:r>
+              <a:rPr lang="ru-RU" dirty="0" err="1" smtClean="0"/>
+              <a:t>continue</a:t>
+            </a:r>
+            <a:r>
+              <a:rPr lang="ru-RU" dirty="0" smtClean="0"/>
+              <a:t>. </a:t>
+            </a:r>
+            <a:r>
+              <a:rPr lang="ru-RU" b="1" dirty="0" smtClean="0"/>
+              <a:t>Если она указана внутри кода, то все оставшиеся инструкции до конца цикла пропускаются и начинается следующая итерация</a:t>
+            </a:r>
+            <a:r>
+              <a:rPr lang="ru-RU" dirty="0" smtClean="0"/>
+              <a:t>.</a:t>
+            </a:r>
+            <a:endParaRPr lang="en-US" dirty="0" smtClean="0"/>
+          </a:p>
+          <a:p>
+            <a:pPr fontAlgn="base"/>
+            <a:endParaRPr lang="ru-RU" dirty="0" smtClean="0"/>
+          </a:p>
+          <a:p>
+            <a:pPr fontAlgn="base"/>
+            <a:r>
+              <a:rPr lang="ru-RU" dirty="0" smtClean="0"/>
+              <a:t>В целом, не следует слишком увлекаться использованием этих инструкций.</a:t>
+            </a:r>
+          </a:p>
+          <a:p>
+            <a:endParaRPr lang="ru-RU" dirty="0"/>
+          </a:p>
+        </p:txBody>
+      </p:sp>
+    </p:spTree>
+    <p:extLst>
+      <p:ext uri="{BB962C8B-B14F-4D97-AF65-F5344CB8AC3E}">
+        <p14:creationId xmlns:p14="http://schemas.microsoft.com/office/powerpoint/2010/main" val="1984108318"/>
+      </p:ext>
+    </p:extLst>
+  </p:cSld>
+  <p:clrMapOvr>
+    <a:masterClrMapping/>
+  </p:clrMapOvr>
+  <p:timing>
+    <p:tnLst>
+      <p:par>
+        <p:cTn id="1" dur="indefinite" restart="never" nodeType="tmRoot"/>
+      </p:par>
+    </p:tnLst>
+  </p:timing>
+</p:sld>
+</file>
+
+<file path=ppt/slides/slide29.xml><?xml version="1.0" encoding="utf-8"?>
+<p:sld xmlns:a="http://schemas.openxmlformats.org/drawingml/2006/main" xmlns:r="http://schemas.openxmlformats.org/officeDocument/2006/relationships" xmlns:p="http://schemas.openxmlformats.org/presentationml/2006/main">
+  <p:cSld>
+    <p:spTree>
+      <p:nvGrpSpPr>
+        <p:cNvPr id="1" name=""/>
+        <p:cNvGrpSpPr/>
+        <p:nvPr/>
+      </p:nvGrpSpPr>
+      <p:grpSpPr>
+        <a:xfrm>
+          <a:off x="0" y="0"/>
+          <a:ext cx="0" cy="0"/>
+          <a:chOff x="0" y="0"/>
+          <a:chExt cx="0" cy="0"/>
+        </a:xfrm>
+      </p:grpSpPr>
+      <p:sp>
+        <p:nvSpPr>
+          <p:cNvPr id="2" name="Заголовок 1"/>
+          <p:cNvSpPr>
+            <a:spLocks noGrp="1"/>
+          </p:cNvSpPr>
+          <p:nvPr>
+            <p:ph type="title"/>
+          </p:nvPr>
+        </p:nvSpPr>
+        <p:spPr/>
+        <p:txBody>
+          <a:bodyPr/>
+          <a:lstStyle/>
+          <a:p>
+            <a:r>
+              <a:rPr lang="en-US" dirty="0" smtClean="0">
+                <a:solidFill>
+                  <a:srgbClr val="FF0000"/>
+                </a:solidFill>
+              </a:rPr>
+              <a:t>pass</a:t>
+            </a:r>
+            <a:endParaRPr lang="ru-RU" dirty="0">
+              <a:solidFill>
+                <a:srgbClr val="FF0000"/>
+              </a:solidFill>
+            </a:endParaRPr>
+          </a:p>
+        </p:txBody>
+      </p:sp>
+      <p:sp>
+        <p:nvSpPr>
+          <p:cNvPr id="3" name="Содержимое 2"/>
+          <p:cNvSpPr>
+            <a:spLocks noGrp="1"/>
+          </p:cNvSpPr>
+          <p:nvPr>
+            <p:ph idx="1"/>
+          </p:nvPr>
+        </p:nvSpPr>
+        <p:spPr/>
+        <p:txBody>
+          <a:bodyPr/>
+          <a:lstStyle/>
+          <a:p>
+            <a:pPr marL="0" indent="0">
+              <a:buNone/>
+            </a:pPr>
+            <a:r>
+              <a:rPr lang="ru-RU" dirty="0" smtClean="0"/>
+              <a:t>С оператором </a:t>
+            </a:r>
+            <a:r>
+              <a:rPr lang="ru-RU" b="1" dirty="0" err="1" smtClean="0"/>
+              <a:t>pass</a:t>
+            </a:r>
+            <a:r>
+              <a:rPr lang="ru-RU" dirty="0" smtClean="0"/>
+              <a:t> программа работает так, будто в ней </a:t>
+            </a:r>
+            <a:r>
+              <a:rPr lang="ru-RU" dirty="0" smtClean="0"/>
+              <a:t>нет условных </a:t>
+            </a:r>
+            <a:r>
+              <a:rPr lang="ru-RU" dirty="0" smtClean="0"/>
+              <a:t>операторов. Оператор </a:t>
+            </a:r>
+            <a:r>
+              <a:rPr lang="ru-RU" b="1" dirty="0" err="1" smtClean="0"/>
+              <a:t>pass</a:t>
+            </a:r>
+            <a:r>
+              <a:rPr lang="ru-RU" dirty="0" smtClean="0"/>
+              <a:t> говорит программе игнорировать это условие и продолжать работу. </a:t>
+            </a:r>
+            <a:endParaRPr lang="ru-RU" dirty="0"/>
+          </a:p>
+        </p:txBody>
+      </p:sp>
+    </p:spTree>
+    <p:extLst>
+      <p:ext uri="{BB962C8B-B14F-4D97-AF65-F5344CB8AC3E}">
+        <p14:creationId xmlns:p14="http://schemas.microsoft.com/office/powerpoint/2010/main" val="2868511967"/>
+      </p:ext>
+    </p:extLst>
+  </p:cSld>
+  <p:clrMapOvr>
+    <a:masterClrMapping/>
+  </p:clrMapOvr>
+  <p:timing>
+    <p:tnLst>
+      <p:par>
+        <p:cTn id="1" dur="indefinite" restart="never" nodeType="tmRoot"/>
+      </p:par>
+    </p:tnLst>
+  </p:timing>
+</p:sld>
+</file>
+
+<file path=ppt/slides/slide3.xml><?xml version="1.0" encoding="utf-8"?>
+<p:sld xmlns:a="http://schemas.openxmlformats.org/drawingml/2006/main" xmlns:r="http://schemas.openxmlformats.org/officeDocument/2006/relationships" xmlns:p="http://schemas.openxmlformats.org/presentationml/2006/main">
+  <p:cSld>
+    <p:spTree>
+      <p:nvGrpSpPr>
+        <p:cNvPr id="1" name=""/>
+        <p:cNvGrpSpPr/>
+        <p:nvPr/>
+      </p:nvGrpSpPr>
+      <p:grpSpPr>
+        <a:xfrm>
+          <a:off x="0" y="0"/>
+          <a:ext cx="0" cy="0"/>
+          <a:chOff x="0" y="0"/>
+          <a:chExt cx="0" cy="0"/>
+        </a:xfrm>
+      </p:grpSpPr>
+      <p:sp>
+        <p:nvSpPr>
+          <p:cNvPr id="2" name="Заголовок 1"/>
+          <p:cNvSpPr>
+            <a:spLocks noGrp="1"/>
+          </p:cNvSpPr>
+          <p:nvPr>
+            <p:ph type="title"/>
+          </p:nvPr>
+        </p:nvSpPr>
+        <p:spPr/>
+        <p:txBody>
+          <a:bodyPr/>
+          <a:lstStyle/>
+          <a:p>
+            <a:r>
+              <a:rPr lang="ru-RU" dirty="0"/>
+              <a:t>Условные операторы</a:t>
+            </a:r>
+          </a:p>
+        </p:txBody>
+      </p:sp>
+      <p:sp>
+        <p:nvSpPr>
+          <p:cNvPr id="3" name="Объект 2"/>
+          <p:cNvSpPr>
+            <a:spLocks noGrp="1"/>
+          </p:cNvSpPr>
+          <p:nvPr>
+            <p:ph idx="1"/>
+          </p:nvPr>
+        </p:nvSpPr>
+        <p:spPr/>
+        <p:txBody>
+          <a:bodyPr/>
+          <a:lstStyle/>
+          <a:p>
+            <a:pPr marL="0" indent="0" algn="ctr">
+              <a:buNone/>
+            </a:pPr>
+            <a:r>
+              <a:rPr lang="en-US" dirty="0" smtClean="0">
+                <a:solidFill>
+                  <a:srgbClr val="FF0000"/>
+                </a:solidFill>
+              </a:rPr>
+              <a:t>OR</a:t>
+            </a:r>
+            <a:endParaRPr lang="ru-RU" dirty="0"/>
+          </a:p>
+          <a:p>
+            <a:pPr marL="0" indent="0" algn="ctr">
+              <a:buNone/>
+            </a:pPr>
+            <a:r>
+              <a:rPr lang="en-US" dirty="0" smtClean="0"/>
+              <a:t>type</a:t>
+            </a:r>
+            <a:r>
+              <a:rPr lang="en-US" dirty="0"/>
+              <a:t>('</a:t>
+            </a:r>
+            <a:r>
+              <a:rPr lang="en-US" dirty="0" err="1"/>
+              <a:t>chr</a:t>
+            </a:r>
+            <a:r>
+              <a:rPr lang="en-US" dirty="0"/>
+              <a:t>') == </a:t>
+            </a:r>
+            <a:r>
+              <a:rPr lang="en-US" dirty="0" err="1"/>
+              <a:t>str</a:t>
+            </a:r>
+            <a:r>
+              <a:rPr lang="en-US" dirty="0"/>
+              <a:t> or </a:t>
+            </a:r>
+            <a:r>
+              <a:rPr lang="en-US" dirty="0" err="1"/>
+              <a:t>len</a:t>
+            </a:r>
+            <a:r>
+              <a:rPr lang="en-US" dirty="0"/>
+              <a:t>('</a:t>
+            </a:r>
+            <a:r>
+              <a:rPr lang="en-US" dirty="0" err="1"/>
+              <a:t>chr</a:t>
+            </a:r>
+            <a:r>
+              <a:rPr lang="en-US" dirty="0"/>
+              <a:t>') &lt; 3 True </a:t>
+            </a:r>
+          </a:p>
+          <a:p>
+            <a:pPr marL="0" indent="0" algn="ctr">
+              <a:buNone/>
+            </a:pPr>
+            <a:endParaRPr lang="ru-RU" dirty="0" smtClean="0">
+              <a:solidFill>
+                <a:srgbClr val="FF0000"/>
+              </a:solidFill>
+            </a:endParaRPr>
+          </a:p>
+          <a:p>
+            <a:pPr marL="0" indent="0" algn="ctr">
+              <a:buNone/>
+            </a:pPr>
+            <a:r>
+              <a:rPr lang="en-US" dirty="0" smtClean="0">
+                <a:solidFill>
+                  <a:srgbClr val="FF0000"/>
+                </a:solidFill>
+              </a:rPr>
+              <a:t>AND</a:t>
+            </a:r>
+            <a:r>
+              <a:rPr lang="en-US" dirty="0" smtClean="0"/>
+              <a:t> </a:t>
+            </a:r>
+            <a:endParaRPr lang="ru-RU" dirty="0"/>
+          </a:p>
+          <a:p>
+            <a:pPr marL="0" indent="0" algn="ctr">
+              <a:buNone/>
+            </a:pPr>
+            <a:r>
+              <a:rPr lang="en-US" dirty="0" smtClean="0"/>
+              <a:t>type</a:t>
+            </a:r>
+            <a:r>
+              <a:rPr lang="en-US" dirty="0"/>
+              <a:t>('</a:t>
+            </a:r>
+            <a:r>
+              <a:rPr lang="en-US" dirty="0" err="1"/>
+              <a:t>chr</a:t>
+            </a:r>
+            <a:r>
+              <a:rPr lang="en-US" dirty="0"/>
+              <a:t>') == </a:t>
+            </a:r>
+            <a:r>
+              <a:rPr lang="en-US" dirty="0" err="1"/>
+              <a:t>str</a:t>
+            </a:r>
+            <a:r>
+              <a:rPr lang="en-US" dirty="0"/>
+              <a:t> and </a:t>
+            </a:r>
+            <a:r>
+              <a:rPr lang="en-US" dirty="0" err="1"/>
+              <a:t>len</a:t>
+            </a:r>
+            <a:r>
+              <a:rPr lang="en-US" dirty="0"/>
+              <a:t>('</a:t>
+            </a:r>
+            <a:r>
+              <a:rPr lang="en-US" dirty="0" err="1"/>
+              <a:t>chr</a:t>
+            </a:r>
+            <a:r>
+              <a:rPr lang="en-US" dirty="0"/>
+              <a:t>') &lt; 3 </a:t>
+            </a:r>
+            <a:r>
+              <a:rPr lang="en-US" dirty="0" smtClean="0"/>
+              <a:t>False</a:t>
+            </a:r>
+            <a:endParaRPr lang="ru-RU" dirty="0" smtClean="0"/>
+          </a:p>
+          <a:p>
+            <a:pPr marL="0" indent="0" algn="ctr">
+              <a:buNone/>
+            </a:pPr>
+            <a:r>
+              <a:rPr lang="en-US" dirty="0" smtClean="0"/>
+              <a:t>type</a:t>
+            </a:r>
+            <a:r>
+              <a:rPr lang="en-US" dirty="0"/>
+              <a:t>('</a:t>
+            </a:r>
+            <a:r>
+              <a:rPr lang="en-US" dirty="0" err="1"/>
+              <a:t>chr</a:t>
+            </a:r>
+            <a:r>
+              <a:rPr lang="en-US" dirty="0"/>
+              <a:t>') == </a:t>
+            </a:r>
+            <a:r>
+              <a:rPr lang="en-US" dirty="0" err="1"/>
+              <a:t>str</a:t>
+            </a:r>
+            <a:r>
+              <a:rPr lang="en-US" dirty="0"/>
+              <a:t> and </a:t>
+            </a:r>
+            <a:r>
+              <a:rPr lang="en-US" dirty="0" err="1"/>
+              <a:t>len</a:t>
+            </a:r>
+            <a:r>
+              <a:rPr lang="en-US" dirty="0"/>
+              <a:t>('</a:t>
+            </a:r>
+            <a:r>
+              <a:rPr lang="en-US" dirty="0" err="1"/>
+              <a:t>chr</a:t>
+            </a:r>
+            <a:r>
+              <a:rPr lang="en-US" dirty="0"/>
+              <a:t>') &lt;= 3 True</a:t>
+            </a:r>
+            <a:endParaRPr lang="ru-RU" dirty="0"/>
+          </a:p>
+        </p:txBody>
+      </p:sp>
+    </p:spTree>
+    <p:extLst>
+      <p:ext uri="{BB962C8B-B14F-4D97-AF65-F5344CB8AC3E}">
+        <p14:creationId xmlns:p14="http://schemas.microsoft.com/office/powerpoint/2010/main" val="619542166"/>
+      </p:ext>
+    </p:extLst>
+  </p:cSld>
+  <p:clrMapOvr>
+    <a:masterClrMapping/>
+  </p:clrMapOvr>
+</p:sld>
+</file>
+
+<file path=ppt/slides/slide30.xml><?xml version="1.0" encoding="utf-8"?>
+<p:sld xmlns:a="http://schemas.openxmlformats.org/drawingml/2006/main" xmlns:r="http://schemas.openxmlformats.org/officeDocument/2006/relationships" xmlns:p="http://schemas.openxmlformats.org/presentationml/2006/main">
+  <p:cSld>
+    <p:spTree>
+      <p:nvGrpSpPr>
+        <p:cNvPr id="1" name=""/>
+        <p:cNvGrpSpPr/>
+        <p:nvPr/>
+      </p:nvGrpSpPr>
+      <p:grpSpPr>
+        <a:xfrm>
+          <a:off x="0" y="0"/>
+          <a:ext cx="0" cy="0"/>
+          <a:chOff x="0" y="0"/>
+          <a:chExt cx="0" cy="0"/>
+        </a:xfrm>
+      </p:grpSpPr>
+      <p:sp>
+        <p:nvSpPr>
+          <p:cNvPr id="2" name="Заголовок 1"/>
+          <p:cNvSpPr>
+            <a:spLocks noGrp="1"/>
+          </p:cNvSpPr>
+          <p:nvPr>
+            <p:ph type="title"/>
+          </p:nvPr>
+        </p:nvSpPr>
+        <p:spPr/>
+        <p:txBody>
+          <a:bodyPr>
+            <a:normAutofit/>
+          </a:bodyPr>
+          <a:lstStyle/>
+          <a:p>
+            <a:r>
+              <a:rPr lang="ru-RU" dirty="0" smtClean="0">
+                <a:solidFill>
+                  <a:srgbClr val="FF0000"/>
+                </a:solidFill>
+              </a:rPr>
+              <a:t>Вернёмся к нашей игре про числа</a:t>
+            </a:r>
+            <a:endParaRPr lang="ru-RU" dirty="0">
+              <a:solidFill>
+                <a:srgbClr val="FF0000"/>
+              </a:solidFill>
+            </a:endParaRPr>
+          </a:p>
+        </p:txBody>
+      </p:sp>
+      <p:pic>
+        <p:nvPicPr>
+          <p:cNvPr id="5" name="Замещающее содержимое 4"/>
+          <p:cNvPicPr>
+            <a:picLocks noGrp="1" noChangeAspect="1"/>
+          </p:cNvPicPr>
+          <p:nvPr>
+            <p:ph idx="1"/>
+          </p:nvPr>
+        </p:nvPicPr>
+        <p:blipFill>
+          <a:blip r:embed="rId2"/>
+          <a:stretch>
+            <a:fillRect/>
+          </a:stretch>
+        </p:blipFill>
+        <p:spPr>
+          <a:xfrm>
+            <a:off x="2528571" y="2252980"/>
+            <a:ext cx="7134225" cy="3219450"/>
+          </a:xfrm>
+          <a:prstGeom prst="rect">
+            <a:avLst/>
+          </a:prstGeom>
+        </p:spPr>
+      </p:pic>
+    </p:spTree>
+    <p:extLst>
+      <p:ext uri="{BB962C8B-B14F-4D97-AF65-F5344CB8AC3E}">
+        <p14:creationId xmlns:p14="http://schemas.microsoft.com/office/powerpoint/2010/main" val="3351276916"/>
+      </p:ext>
+    </p:extLst>
+  </p:cSld>
+  <p:clrMapOvr>
+    <a:masterClrMapping/>
+  </p:clrMapOvr>
+  <p:timing>
+    <p:tnLst>
+      <p:par>
+        <p:cTn id="1" dur="indefinite" restart="never" nodeType="tmRoot"/>
+      </p:par>
+    </p:tnLst>
+  </p:timing>
+</p:sld>
+</file>
+
+<file path=ppt/slides/slide31.xml><?xml version="1.0" encoding="utf-8"?>
+<p:sld xmlns:a="http://schemas.openxmlformats.org/drawingml/2006/main" xmlns:r="http://schemas.openxmlformats.org/officeDocument/2006/relationships" xmlns:p="http://schemas.openxmlformats.org/presentationml/2006/main">
+  <p:cSld>
+    <p:spTree>
+      <p:nvGrpSpPr>
+        <p:cNvPr id="1" name=""/>
+        <p:cNvGrpSpPr/>
+        <p:nvPr/>
+      </p:nvGrpSpPr>
+      <p:grpSpPr>
+        <a:xfrm>
+          <a:off x="0" y="0"/>
+          <a:ext cx="0" cy="0"/>
+          <a:chOff x="0" y="0"/>
+          <a:chExt cx="0" cy="0"/>
+        </a:xfrm>
+      </p:grpSpPr>
+      <p:sp>
+        <p:nvSpPr>
+          <p:cNvPr id="2" name="Заголовок 1"/>
+          <p:cNvSpPr>
+            <a:spLocks noGrp="1"/>
+          </p:cNvSpPr>
+          <p:nvPr>
+            <p:ph type="title"/>
+          </p:nvPr>
+        </p:nvSpPr>
+        <p:spPr/>
+        <p:txBody>
+          <a:bodyPr/>
+          <a:lstStyle/>
+          <a:p>
+            <a:r>
+              <a:rPr lang="ru-RU" dirty="0" smtClean="0"/>
+              <a:t> </a:t>
+            </a:r>
+            <a:endParaRPr lang="ru-RU" dirty="0"/>
+          </a:p>
+        </p:txBody>
+      </p:sp>
+      <p:sp>
+        <p:nvSpPr>
+          <p:cNvPr id="3" name="Содержимое 2"/>
+          <p:cNvSpPr>
+            <a:spLocks noGrp="1"/>
+          </p:cNvSpPr>
+          <p:nvPr>
+            <p:ph idx="1"/>
+          </p:nvPr>
+        </p:nvSpPr>
+        <p:spPr/>
+        <p:txBody>
+          <a:bodyPr/>
+          <a:lstStyle/>
+          <a:p>
+            <a:pPr>
+              <a:buNone/>
+            </a:pPr>
+            <a:r>
+              <a:rPr lang="en-US" altLang="ru-RU" dirty="0" smtClean="0"/>
+              <a:t>	</a:t>
+            </a:r>
+            <a:r>
+              <a:rPr lang="ru-RU" dirty="0" smtClean="0"/>
+              <a:t>Теперь программа помогает пользователю угадать число, даёт ему подсказки. К примеру, если компьютер загадал число 12, а пользователь ввёл 19, программа подскажет, что введённое число больше загаданного.</a:t>
+            </a:r>
+            <a:endParaRPr lang="ru-RU" dirty="0"/>
+          </a:p>
+        </p:txBody>
+      </p:sp>
+    </p:spTree>
+    <p:extLst>
+      <p:ext uri="{BB962C8B-B14F-4D97-AF65-F5344CB8AC3E}">
+        <p14:creationId xmlns:p14="http://schemas.microsoft.com/office/powerpoint/2010/main" val="2610315330"/>
+      </p:ext>
+    </p:extLst>
+  </p:cSld>
+  <p:clrMapOvr>
+    <a:masterClrMapping/>
+  </p:clrMapOvr>
+  <p:timing>
+    <p:tnLst>
+      <p:par>
+        <p:cTn id="1" dur="indefinite" restart="never" nodeType="tmRoot"/>
+      </p:par>
+    </p:tnLst>
+  </p:timing>
+</p:sld>
+</file>
+
+<file path=ppt/slides/slide32.xml><?xml version="1.0" encoding="utf-8"?>
+<p:sld xmlns:a="http://schemas.openxmlformats.org/drawingml/2006/main" xmlns:r="http://schemas.openxmlformats.org/officeDocument/2006/relationships" xmlns:p="http://schemas.openxmlformats.org/presentationml/2006/main">
+  <p:cSld>
+    <p:spTree>
+      <p:nvGrpSpPr>
+        <p:cNvPr id="1" name=""/>
+        <p:cNvGrpSpPr/>
+        <p:nvPr/>
+      </p:nvGrpSpPr>
+      <p:grpSpPr>
+        <a:xfrm>
+          <a:off x="0" y="0"/>
+          <a:ext cx="0" cy="0"/>
+          <a:chOff x="0" y="0"/>
+          <a:chExt cx="0" cy="0"/>
+        </a:xfrm>
+      </p:grpSpPr>
+      <p:sp>
+        <p:nvSpPr>
+          <p:cNvPr id="2" name="Заголовок 1"/>
+          <p:cNvSpPr>
+            <a:spLocks noGrp="1"/>
+          </p:cNvSpPr>
+          <p:nvPr>
+            <p:ph type="title"/>
+          </p:nvPr>
+        </p:nvSpPr>
+        <p:spPr/>
+        <p:txBody>
+          <a:bodyPr/>
+          <a:lstStyle/>
+          <a:p>
+            <a:r>
+              <a:rPr lang="ru-RU" dirty="0" smtClean="0">
+                <a:solidFill>
+                  <a:srgbClr val="FF0000"/>
+                </a:solidFill>
+              </a:rPr>
+              <a:t>Генератор списка</a:t>
+            </a:r>
+            <a:endParaRPr lang="ru-RU" dirty="0">
+              <a:solidFill>
+                <a:srgbClr val="FF0000"/>
+              </a:solidFill>
+            </a:endParaRPr>
+          </a:p>
+        </p:txBody>
+      </p:sp>
+      <p:sp>
+        <p:nvSpPr>
+          <p:cNvPr id="3" name="Содержимое 2"/>
+          <p:cNvSpPr>
+            <a:spLocks noGrp="1"/>
+          </p:cNvSpPr>
+          <p:nvPr>
+            <p:ph idx="1"/>
+          </p:nvPr>
+        </p:nvSpPr>
+        <p:spPr/>
+        <p:txBody>
+          <a:bodyPr>
+            <a:normAutofit/>
+          </a:bodyPr>
+          <a:lstStyle/>
+          <a:p>
+            <a:pPr>
+              <a:buFont typeface="Courier New" pitchFamily="49" charset="0"/>
+              <a:buChar char="o"/>
+            </a:pPr>
+            <a:r>
+              <a:rPr lang="en-US" dirty="0" smtClean="0"/>
+              <a:t>C</a:t>
+            </a:r>
+            <a:r>
+              <a:rPr lang="ru-RU" dirty="0" err="1" smtClean="0"/>
+              <a:t>пециальная</a:t>
+            </a:r>
+            <a:r>
+              <a:rPr lang="ru-RU" dirty="0" smtClean="0"/>
+              <a:t> синтаксическая конструкция, которая позволяет по определенным правилам создавать заполненные списки.</a:t>
+            </a:r>
+            <a:endParaRPr lang="en-US" dirty="0" smtClean="0"/>
+          </a:p>
+          <a:p>
+            <a:pPr>
+              <a:buFont typeface="Courier New" pitchFamily="49" charset="0"/>
+              <a:buChar char="o"/>
+            </a:pPr>
+            <a:endParaRPr lang="en-US" dirty="0" smtClean="0"/>
+          </a:p>
+          <a:p>
+            <a:pPr>
+              <a:buFont typeface="Courier New" pitchFamily="49" charset="0"/>
+              <a:buChar char="o"/>
+            </a:pPr>
+            <a:r>
+              <a:rPr lang="ru-RU" dirty="0" smtClean="0"/>
+              <a:t> Такие конструкции называются </a:t>
+            </a:r>
+            <a:r>
+              <a:rPr lang="ru-RU" b="1" dirty="0" smtClean="0"/>
+              <a:t>генераторами списков</a:t>
+            </a:r>
+            <a:r>
+              <a:rPr lang="ru-RU" dirty="0" smtClean="0"/>
+              <a:t>. Их удобство заключается в более короткой записи программного кода, чем если бы создавался список обычным способом</a:t>
+            </a:r>
+            <a:endParaRPr lang="ru-RU" dirty="0"/>
+          </a:p>
+        </p:txBody>
+      </p:sp>
+    </p:spTree>
+    <p:extLst>
+      <p:ext uri="{BB962C8B-B14F-4D97-AF65-F5344CB8AC3E}">
+        <p14:creationId xmlns:p14="http://schemas.microsoft.com/office/powerpoint/2010/main" val="3520027167"/>
+      </p:ext>
+    </p:extLst>
+  </p:cSld>
+  <p:clrMapOvr>
+    <a:masterClrMapping/>
+  </p:clrMapOvr>
+  <p:timing>
+    <p:tnLst>
+      <p:par>
+        <p:cTn id="1" dur="indefinite" restart="never" nodeType="tmRoot"/>
+      </p:par>
+    </p:tnLst>
+  </p:timing>
+</p:sld>
+</file>
+
+<file path=ppt/slides/slide33.xml><?xml version="1.0" encoding="utf-8"?>
+<p:sld xmlns:a="http://schemas.openxmlformats.org/drawingml/2006/main" xmlns:r="http://schemas.openxmlformats.org/officeDocument/2006/relationships" xmlns:p="http://schemas.openxmlformats.org/presentationml/2006/main">
+  <p:cSld>
+    <p:spTree>
+      <p:nvGrpSpPr>
+        <p:cNvPr id="1" name=""/>
+        <p:cNvGrpSpPr/>
+        <p:nvPr/>
+      </p:nvGrpSpPr>
+      <p:grpSpPr>
+        <a:xfrm>
+          <a:off x="0" y="0"/>
+          <a:ext cx="0" cy="0"/>
+          <a:chOff x="0" y="0"/>
+          <a:chExt cx="0" cy="0"/>
+        </a:xfrm>
+      </p:grpSpPr>
+      <p:sp>
+        <p:nvSpPr>
+          <p:cNvPr id="2" name="Заголовок 1"/>
+          <p:cNvSpPr>
+            <a:spLocks noGrp="1"/>
+          </p:cNvSpPr>
+          <p:nvPr>
+            <p:ph type="title"/>
+          </p:nvPr>
+        </p:nvSpPr>
+        <p:spPr/>
+        <p:txBody>
+          <a:bodyPr/>
+          <a:lstStyle/>
+          <a:p>
+            <a:r>
+              <a:rPr lang="en-US" dirty="0" smtClean="0"/>
+              <a:t> </a:t>
+            </a:r>
+            <a:endParaRPr lang="ru-RU" dirty="0"/>
+          </a:p>
+        </p:txBody>
+      </p:sp>
+      <p:sp>
+        <p:nvSpPr>
+          <p:cNvPr id="3" name="Содержимое 2"/>
+          <p:cNvSpPr>
+            <a:spLocks noGrp="1"/>
+          </p:cNvSpPr>
+          <p:nvPr>
+            <p:ph idx="1"/>
+          </p:nvPr>
+        </p:nvSpPr>
+        <p:spPr>
+          <a:xfrm>
+            <a:off x="1981200" y="357167"/>
+            <a:ext cx="8229600" cy="5768997"/>
+          </a:xfrm>
+        </p:spPr>
+        <p:txBody>
+          <a:bodyPr>
+            <a:normAutofit/>
+          </a:bodyPr>
+          <a:lstStyle/>
+          <a:p>
+            <a:pPr>
+              <a:buFont typeface="Courier New" pitchFamily="49" charset="0"/>
+              <a:buChar char="o"/>
+            </a:pPr>
+            <a:r>
+              <a:rPr lang="ru-RU" dirty="0" smtClean="0"/>
+              <a:t>Конструкция заключается в квадратные скобки, что говорит, что будет создан список. Внутри скобок выделим три части: </a:t>
+            </a:r>
+          </a:p>
+          <a:p>
+            <a:pPr lvl="1"/>
+            <a:r>
+              <a:rPr lang="ru-RU" dirty="0" smtClean="0"/>
+              <a:t>1) что делаем с элементом (в данном случае ничего не делаем, просто добавляем в список), </a:t>
+            </a:r>
+          </a:p>
+          <a:p>
+            <a:pPr lvl="1"/>
+            <a:r>
+              <a:rPr lang="ru-RU" dirty="0" smtClean="0"/>
+              <a:t>2) что берем (в данном случае элемент </a:t>
+            </a:r>
+            <a:r>
+              <a:rPr lang="ru-RU" dirty="0" err="1" smtClean="0"/>
+              <a:t>i</a:t>
+            </a:r>
+            <a:r>
+              <a:rPr lang="ru-RU" dirty="0" smtClean="0"/>
+              <a:t>)</a:t>
+            </a:r>
+          </a:p>
+          <a:p>
+            <a:pPr lvl="1"/>
+            <a:endParaRPr lang="ru-RU" dirty="0" smtClean="0"/>
+          </a:p>
+          <a:p>
+            <a:pPr lvl="1"/>
+            <a:r>
+              <a:rPr lang="ru-RU" dirty="0" smtClean="0"/>
+              <a:t> 3) откуда берем (здесь из объекта </a:t>
+            </a:r>
+            <a:r>
+              <a:rPr lang="ru-RU" dirty="0" err="1" smtClean="0"/>
+              <a:t>range</a:t>
+            </a:r>
+            <a:r>
+              <a:rPr lang="ru-RU" dirty="0" smtClean="0"/>
+              <a:t>). Части отделены друг от друга ключевыми словами </a:t>
+            </a:r>
+            <a:r>
+              <a:rPr lang="ru-RU" b="1" dirty="0" err="1" smtClean="0"/>
+              <a:t>for</a:t>
+            </a:r>
+            <a:r>
+              <a:rPr lang="ru-RU" dirty="0" smtClean="0"/>
+              <a:t> и </a:t>
+            </a:r>
+            <a:r>
+              <a:rPr lang="ru-RU" b="1" dirty="0" err="1" smtClean="0"/>
+              <a:t>in</a:t>
+            </a:r>
+            <a:r>
+              <a:rPr lang="ru-RU" dirty="0" smtClean="0"/>
+              <a:t>.</a:t>
+            </a:r>
+            <a:endParaRPr lang="ru-RU" dirty="0"/>
+          </a:p>
+        </p:txBody>
+      </p:sp>
+    </p:spTree>
+    <p:extLst>
+      <p:ext uri="{BB962C8B-B14F-4D97-AF65-F5344CB8AC3E}">
+        <p14:creationId xmlns:p14="http://schemas.microsoft.com/office/powerpoint/2010/main" val="816026523"/>
+      </p:ext>
+    </p:extLst>
+  </p:cSld>
+  <p:clrMapOvr>
+    <a:masterClrMapping/>
+  </p:clrMapOvr>
+  <p:timing>
+    <p:tnLst>
+      <p:par>
+        <p:cTn id="1" dur="indefinite" restart="never" nodeType="tmRoot"/>
+      </p:par>
+    </p:tnLst>
+  </p:timing>
+</p:sld>
+</file>
+
+<file path=ppt/slides/slide34.xml><?xml version="1.0" encoding="utf-8"?>
+<p:sld xmlns:a="http://schemas.openxmlformats.org/drawingml/2006/main" xmlns:r="http://schemas.openxmlformats.org/officeDocument/2006/relationships" xmlns:p="http://schemas.openxmlformats.org/presentationml/2006/main">
+  <p:cSld>
+    <p:spTree>
+      <p:nvGrpSpPr>
+        <p:cNvPr id="1" name=""/>
+        <p:cNvGrpSpPr/>
+        <p:nvPr/>
+      </p:nvGrpSpPr>
+      <p:grpSpPr>
+        <a:xfrm>
+          <a:off x="0" y="0"/>
+          <a:ext cx="0" cy="0"/>
+          <a:chOff x="0" y="0"/>
+          <a:chExt cx="0" cy="0"/>
+        </a:xfrm>
+      </p:grpSpPr>
       <p:pic>
         <p:nvPicPr>
           <p:cNvPr id="4" name="Объект 3"/>
@@ -6548,7 +8411,7 @@
 </p:sld>
 </file>
 
-<file path=ppt/slides/slide22.xml><?xml version="1.0" encoding="utf-8"?>
+<file path=ppt/slides/slide35.xml><?xml version="1.0" encoding="utf-8"?>
 <p:sld xmlns:a="http://schemas.openxmlformats.org/drawingml/2006/main" xmlns:r="http://schemas.openxmlformats.org/officeDocument/2006/relationships" xmlns:p="http://schemas.openxmlformats.org/presentationml/2006/main">
   <p:cSld>
     <p:spTree>
@@ -6635,7 +8498,7 @@
 </p:sld>
 </file>
 
-<file path=ppt/slides/slide3.xml><?xml version="1.0" encoding="utf-8"?>
+<file path=ppt/slides/slide36.xml><?xml version="1.0" encoding="utf-8"?>
 <p:sld xmlns:a="http://schemas.openxmlformats.org/drawingml/2006/main" xmlns:r="http://schemas.openxmlformats.org/officeDocument/2006/relationships" xmlns:p="http://schemas.openxmlformats.org/presentationml/2006/main">
   <p:cSld>
     <p:spTree>
@@ -6664,210 +8527,125 @@
         </p:nvSpPr>
         <p:spPr/>
         <p:txBody>
-          <a:bodyPr/>
-          <a:lstStyle/>
-          <a:p>
-            <a:r>
-              <a:rPr lang="ru-RU" dirty="0"/>
-              <a:t>Условные операторы</a:t>
-            </a:r>
-          </a:p>
-        </p:txBody>
-      </p:sp>
-      <p:sp>
-        <p:nvSpPr>
-          <p:cNvPr id="3" name="Объект 2"/>
-          <p:cNvSpPr>
-            <a:spLocks noGrp="1"/>
-          </p:cNvSpPr>
-          <p:nvPr>
-            <p:ph idx="1"/>
-          </p:nvPr>
-        </p:nvSpPr>
-        <p:spPr/>
-        <p:txBody>
-          <a:bodyPr/>
-          <a:lstStyle/>
-          <a:p>
-            <a:pPr marL="0" indent="0" algn="ctr">
-              <a:buNone/>
-            </a:pPr>
+          <a:bodyPr>
+            <a:normAutofit/>
+          </a:bodyPr>
+          <a:lstStyle/>
+          <a:p>
+            <a:r>
+              <a:rPr lang="ru-RU" b="1" dirty="0"/>
+              <a:t>Подключение модуля из стандартной </a:t>
+            </a:r>
+            <a:r>
+              <a:rPr lang="ru-RU" b="1" dirty="0" smtClean="0"/>
+              <a:t>библиотеки</a:t>
+            </a:r>
+            <a:r>
+              <a:rPr lang="en-US" b="1" dirty="0" smtClean="0"/>
+              <a:t>  </a:t>
+            </a:r>
+            <a:r>
+              <a:rPr lang="ru-RU" dirty="0" smtClean="0">
+                <a:solidFill>
+                  <a:srgbClr val="FF0000"/>
+                </a:solidFill>
+              </a:rPr>
+              <a:t>Кое-что </a:t>
+            </a:r>
+            <a:r>
+              <a:rPr lang="ru-RU" dirty="0" smtClean="0">
+                <a:solidFill>
+                  <a:srgbClr val="FF0000"/>
+                </a:solidFill>
+              </a:rPr>
+              <a:t>про </a:t>
+            </a:r>
             <a:r>
               <a:rPr lang="en-US" dirty="0" smtClean="0">
                 <a:solidFill>
                   <a:srgbClr val="FF0000"/>
                 </a:solidFill>
               </a:rPr>
-              <a:t>OR</a:t>
-            </a:r>
-            <a:endParaRPr lang="ru-RU" dirty="0"/>
-          </a:p>
-          <a:p>
-            <a:pPr marL="0" indent="0" algn="ctr">
-              <a:buNone/>
-            </a:pPr>
-            <a:r>
-              <a:rPr lang="en-US" dirty="0" smtClean="0"/>
-              <a:t>type</a:t>
-            </a:r>
-            <a:r>
-              <a:rPr lang="en-US" dirty="0"/>
-              <a:t>('</a:t>
-            </a:r>
-            <a:r>
-              <a:rPr lang="en-US" dirty="0" err="1"/>
-              <a:t>chr</a:t>
-            </a:r>
-            <a:r>
-              <a:rPr lang="en-US" dirty="0"/>
-              <a:t>') == </a:t>
-            </a:r>
-            <a:r>
-              <a:rPr lang="en-US" dirty="0" err="1"/>
-              <a:t>str</a:t>
-            </a:r>
-            <a:r>
-              <a:rPr lang="en-US" dirty="0"/>
-              <a:t> or </a:t>
-            </a:r>
-            <a:r>
-              <a:rPr lang="en-US" dirty="0" err="1"/>
-              <a:t>len</a:t>
-            </a:r>
-            <a:r>
-              <a:rPr lang="en-US" dirty="0"/>
-              <a:t>('</a:t>
-            </a:r>
-            <a:r>
-              <a:rPr lang="en-US" dirty="0" err="1"/>
-              <a:t>chr</a:t>
-            </a:r>
-            <a:r>
-              <a:rPr lang="en-US" dirty="0"/>
-              <a:t>') &lt; 3 True </a:t>
-            </a:r>
-          </a:p>
-          <a:p>
-            <a:pPr marL="0" indent="0" algn="ctr">
-              <a:buNone/>
-            </a:pPr>
-            <a:endParaRPr lang="ru-RU" dirty="0" smtClean="0">
+              <a:t>import’s</a:t>
+            </a:r>
+            <a:endParaRPr lang="ru-RU" dirty="0">
               <a:solidFill>
                 <a:srgbClr val="FF0000"/>
               </a:solidFill>
             </a:endParaRPr>
           </a:p>
-          <a:p>
-            <a:pPr marL="0" indent="0" algn="ctr">
-              <a:buNone/>
-            </a:pPr>
-            <a:r>
-              <a:rPr lang="en-US" dirty="0" smtClean="0">
-                <a:solidFill>
-                  <a:srgbClr val="FF0000"/>
-                </a:solidFill>
-              </a:rPr>
-              <a:t>AND</a:t>
-            </a:r>
-            <a:r>
-              <a:rPr lang="en-US" dirty="0" smtClean="0"/>
-              <a:t> </a:t>
-            </a:r>
-            <a:endParaRPr lang="ru-RU" dirty="0"/>
-          </a:p>
-          <a:p>
-            <a:pPr marL="0" indent="0" algn="ctr">
-              <a:buNone/>
-            </a:pPr>
-            <a:r>
-              <a:rPr lang="en-US" dirty="0" smtClean="0"/>
-              <a:t>type</a:t>
-            </a:r>
-            <a:r>
-              <a:rPr lang="en-US" dirty="0"/>
-              <a:t>('</a:t>
-            </a:r>
-            <a:r>
-              <a:rPr lang="en-US" dirty="0" err="1"/>
-              <a:t>chr</a:t>
-            </a:r>
-            <a:r>
-              <a:rPr lang="en-US" dirty="0"/>
-              <a:t>') == </a:t>
-            </a:r>
-            <a:r>
-              <a:rPr lang="en-US" dirty="0" err="1"/>
-              <a:t>str</a:t>
-            </a:r>
-            <a:r>
-              <a:rPr lang="en-US" dirty="0"/>
-              <a:t> and </a:t>
-            </a:r>
-            <a:r>
-              <a:rPr lang="en-US" dirty="0" err="1"/>
-              <a:t>len</a:t>
-            </a:r>
-            <a:r>
-              <a:rPr lang="en-US" dirty="0"/>
-              <a:t>('</a:t>
-            </a:r>
-            <a:r>
-              <a:rPr lang="en-US" dirty="0" err="1"/>
-              <a:t>chr</a:t>
-            </a:r>
-            <a:r>
-              <a:rPr lang="en-US" dirty="0"/>
-              <a:t>') &lt; 3 </a:t>
-            </a:r>
-            <a:r>
-              <a:rPr lang="en-US" dirty="0" smtClean="0"/>
-              <a:t>False</a:t>
-            </a:r>
+        </p:txBody>
+      </p:sp>
+      <p:sp>
+        <p:nvSpPr>
+          <p:cNvPr id="3" name="Содержимое 2"/>
+          <p:cNvSpPr>
+            <a:spLocks noGrp="1"/>
+          </p:cNvSpPr>
+          <p:nvPr>
+            <p:ph idx="1"/>
+          </p:nvPr>
+        </p:nvSpPr>
+        <p:spPr/>
+        <p:txBody>
+          <a:bodyPr>
+            <a:normAutofit lnSpcReduction="10000"/>
+          </a:bodyPr>
+          <a:lstStyle/>
+          <a:p>
+            <a:r>
+              <a:rPr lang="ru-RU" dirty="0" smtClean="0"/>
+              <a:t>В </a:t>
+            </a:r>
+            <a:r>
+              <a:rPr lang="ru-RU" dirty="0" err="1" smtClean="0"/>
+              <a:t>Пайтоне</a:t>
+            </a:r>
+            <a:r>
+              <a:rPr lang="ru-RU" dirty="0" smtClean="0"/>
+              <a:t> имеется большое количество заранее написанных кодов, которые также известны как модули и пакеты. </a:t>
+            </a:r>
+          </a:p>
+          <a:p>
             <a:endParaRPr lang="ru-RU" dirty="0" smtClean="0"/>
           </a:p>
           <a:p>
-            <a:pPr marL="0" indent="0" algn="ctr">
-              <a:buNone/>
-            </a:pPr>
-            <a:r>
-              <a:rPr lang="en-US" dirty="0" smtClean="0"/>
-              <a:t>type</a:t>
-            </a:r>
-            <a:r>
-              <a:rPr lang="en-US" dirty="0"/>
-              <a:t>('</a:t>
-            </a:r>
-            <a:r>
-              <a:rPr lang="en-US" dirty="0" err="1"/>
-              <a:t>chr</a:t>
-            </a:r>
-            <a:r>
-              <a:rPr lang="en-US" dirty="0"/>
-              <a:t>') == </a:t>
-            </a:r>
-            <a:r>
-              <a:rPr lang="en-US" dirty="0" err="1"/>
-              <a:t>str</a:t>
-            </a:r>
-            <a:r>
-              <a:rPr lang="en-US" dirty="0"/>
-              <a:t> and </a:t>
-            </a:r>
-            <a:r>
-              <a:rPr lang="en-US" dirty="0" err="1"/>
-              <a:t>len</a:t>
-            </a:r>
-            <a:r>
-              <a:rPr lang="en-US" dirty="0"/>
-              <a:t>('</a:t>
-            </a:r>
-            <a:r>
-              <a:rPr lang="en-US" dirty="0" err="1"/>
-              <a:t>chr</a:t>
-            </a:r>
-            <a:r>
-              <a:rPr lang="en-US" dirty="0"/>
-              <a:t>') &lt;= 3 True</a:t>
+            <a:r>
+              <a:rPr lang="ru-RU" dirty="0" smtClean="0"/>
+              <a:t>Модуль – это один файл, импортируемый </a:t>
+            </a:r>
+            <a:r>
+              <a:rPr lang="ru-RU" dirty="0" err="1" smtClean="0"/>
+              <a:t>Пайтоном</a:t>
+            </a:r>
+            <a:r>
+              <a:rPr lang="ru-RU" dirty="0" smtClean="0"/>
+              <a:t>, в то время как пакет состоит из двух и более модулей.</a:t>
+            </a:r>
+          </a:p>
+          <a:p>
+            <a:endParaRPr lang="ru-RU" dirty="0" smtClean="0"/>
+          </a:p>
+          <a:p>
+            <a:r>
+              <a:rPr lang="ru-RU" dirty="0" smtClean="0"/>
+              <a:t> Пакеты импортируются таким же образом, как и модули. Каждый сохраненный вами </a:t>
+            </a:r>
+            <a:r>
+              <a:rPr lang="ru-RU" dirty="0" err="1" smtClean="0"/>
+              <a:t>скрипт</a:t>
+            </a:r>
+            <a:r>
+              <a:rPr lang="ru-RU" dirty="0" smtClean="0"/>
+              <a:t> в </a:t>
+            </a:r>
+            <a:r>
+              <a:rPr lang="ru-RU" dirty="0" err="1" smtClean="0"/>
+              <a:t>Пайтоне</a:t>
+            </a:r>
+            <a:r>
+              <a:rPr lang="ru-RU" dirty="0" smtClean="0"/>
+              <a:t> является модулем. Это, конечно, может быть далеко не самым полезным модулем, но тем не менее.</a:t>
             </a:r>
             <a:endParaRPr lang="ru-RU" dirty="0"/>
           </a:p>
@@ -6876,13 +8654,316 @@
     </p:spTree>
     <p:extLst>
       <p:ext uri="{BB962C8B-B14F-4D97-AF65-F5344CB8AC3E}">
-        <p14:creationId xmlns:p14="http://schemas.microsoft.com/office/powerpoint/2010/main" val="619542166"/>
+        <p14:creationId xmlns:p14="http://schemas.microsoft.com/office/powerpoint/2010/main" val="3610023200"/>
       </p:ext>
     </p:extLst>
   </p:cSld>
   <p:clrMapOvr>
     <a:masterClrMapping/>
   </p:clrMapOvr>
+  <p:timing>
+    <p:tnLst>
+      <p:par>
+        <p:cTn id="1" dur="indefinite" restart="never" nodeType="tmRoot"/>
+      </p:par>
+    </p:tnLst>
+  </p:timing>
+</p:sld>
+</file>
+
+<file path=ppt/slides/slide37.xml><?xml version="1.0" encoding="utf-8"?>
+<p:sld xmlns:a="http://schemas.openxmlformats.org/drawingml/2006/main" xmlns:r="http://schemas.openxmlformats.org/officeDocument/2006/relationships" xmlns:p="http://schemas.openxmlformats.org/presentationml/2006/main">
+  <p:cSld>
+    <p:spTree>
+      <p:nvGrpSpPr>
+        <p:cNvPr id="1" name=""/>
+        <p:cNvGrpSpPr/>
+        <p:nvPr/>
+      </p:nvGrpSpPr>
+      <p:grpSpPr>
+        <a:xfrm>
+          <a:off x="0" y="0"/>
+          <a:ext cx="0" cy="0"/>
+          <a:chOff x="0" y="0"/>
+          <a:chExt cx="0" cy="0"/>
+        </a:xfrm>
+      </p:grpSpPr>
+      <p:sp>
+        <p:nvSpPr>
+          <p:cNvPr id="2" name="Заголовок 1"/>
+          <p:cNvSpPr>
+            <a:spLocks noGrp="1"/>
+          </p:cNvSpPr>
+          <p:nvPr>
+            <p:ph type="title"/>
+          </p:nvPr>
+        </p:nvSpPr>
+        <p:spPr/>
+        <p:txBody>
+          <a:bodyPr/>
+          <a:lstStyle/>
+          <a:p>
+            <a:r>
+              <a:rPr lang="ru-RU" dirty="0" smtClean="0"/>
+              <a:t> </a:t>
+            </a:r>
+            <a:endParaRPr lang="ru-RU" dirty="0"/>
+          </a:p>
+        </p:txBody>
+      </p:sp>
+      <p:sp>
+        <p:nvSpPr>
+          <p:cNvPr id="3" name="Содержимое 2"/>
+          <p:cNvSpPr>
+            <a:spLocks noGrp="1"/>
+          </p:cNvSpPr>
+          <p:nvPr>
+            <p:ph idx="1"/>
+          </p:nvPr>
+        </p:nvSpPr>
+        <p:spPr>
+          <a:xfrm>
+            <a:off x="1981200" y="428605"/>
+            <a:ext cx="8229600" cy="5697559"/>
+          </a:xfrm>
+        </p:spPr>
+        <p:txBody>
+          <a:bodyPr/>
+          <a:lstStyle/>
+          <a:p>
+            <a:r>
+              <a:rPr lang="ru-RU" dirty="0" smtClean="0"/>
+              <a:t>Большие программы чаще не пишут в одном файле потому что это не</a:t>
+            </a:r>
+            <a:r>
+              <a:rPr lang="en-US" dirty="0" smtClean="0"/>
+              <a:t> </a:t>
+            </a:r>
+            <a:r>
+              <a:rPr lang="ru-RU" dirty="0" smtClean="0"/>
+              <a:t>самый удобный способ.</a:t>
+            </a:r>
+          </a:p>
+          <a:p>
+            <a:endParaRPr lang="ru-RU" dirty="0" smtClean="0"/>
+          </a:p>
+          <a:p>
+            <a:r>
+              <a:rPr lang="ru-RU" dirty="0" smtClean="0"/>
+              <a:t> Разумнее разбивать программу на файлы(логические блоки) и импортировать нужные элементы по необходимости.</a:t>
+            </a:r>
+          </a:p>
+          <a:p>
+            <a:endParaRPr lang="ru-RU" dirty="0" smtClean="0"/>
+          </a:p>
+          <a:p>
+            <a:r>
+              <a:rPr lang="ru-RU" dirty="0" smtClean="0"/>
+              <a:t>Для импорта файлов существуют отдельные библиотеки вроде </a:t>
+            </a:r>
+            <a:r>
+              <a:rPr lang="en-US" dirty="0" smtClean="0"/>
+              <a:t>components</a:t>
+            </a:r>
+            <a:r>
+              <a:rPr lang="ru-RU" dirty="0" smtClean="0"/>
+              <a:t>  </a:t>
+            </a:r>
+          </a:p>
+          <a:p>
+            <a:endParaRPr lang="ru-RU" dirty="0" smtClean="0"/>
+          </a:p>
+          <a:p>
+            <a:endParaRPr lang="ru-RU" dirty="0" smtClean="0"/>
+          </a:p>
+          <a:p>
+            <a:endParaRPr lang="ru-RU" dirty="0"/>
+          </a:p>
+        </p:txBody>
+      </p:sp>
+    </p:spTree>
+    <p:extLst>
+      <p:ext uri="{BB962C8B-B14F-4D97-AF65-F5344CB8AC3E}">
+        <p14:creationId xmlns:p14="http://schemas.microsoft.com/office/powerpoint/2010/main" val="2133567363"/>
+      </p:ext>
+    </p:extLst>
+  </p:cSld>
+  <p:clrMapOvr>
+    <a:masterClrMapping/>
+  </p:clrMapOvr>
+  <p:timing>
+    <p:tnLst>
+      <p:par>
+        <p:cTn id="1" dur="indefinite" restart="never" nodeType="tmRoot"/>
+      </p:par>
+    </p:tnLst>
+  </p:timing>
+</p:sld>
+</file>
+
+<file path=ppt/slides/slide38.xml><?xml version="1.0" encoding="utf-8"?>
+<p:sld xmlns:a="http://schemas.openxmlformats.org/drawingml/2006/main" xmlns:r="http://schemas.openxmlformats.org/officeDocument/2006/relationships" xmlns:p="http://schemas.openxmlformats.org/presentationml/2006/main">
+  <p:cSld>
+    <p:spTree>
+      <p:nvGrpSpPr>
+        <p:cNvPr id="1" name=""/>
+        <p:cNvGrpSpPr/>
+        <p:nvPr/>
+      </p:nvGrpSpPr>
+      <p:grpSpPr>
+        <a:xfrm>
+          <a:off x="0" y="0"/>
+          <a:ext cx="0" cy="0"/>
+          <a:chOff x="0" y="0"/>
+          <a:chExt cx="0" cy="0"/>
+        </a:xfrm>
+      </p:grpSpPr>
+      <p:sp>
+        <p:nvSpPr>
+          <p:cNvPr id="2" name="Заголовок 1"/>
+          <p:cNvSpPr>
+            <a:spLocks noGrp="1"/>
+          </p:cNvSpPr>
+          <p:nvPr>
+            <p:ph type="title"/>
+          </p:nvPr>
+        </p:nvSpPr>
+        <p:spPr/>
+        <p:txBody>
+          <a:bodyPr/>
+          <a:lstStyle/>
+          <a:p>
+            <a:r>
+              <a:rPr lang="en-US" dirty="0" smtClean="0"/>
+              <a:t> </a:t>
+            </a:r>
+            <a:endParaRPr lang="ru-RU" dirty="0"/>
+          </a:p>
+        </p:txBody>
+      </p:sp>
+      <p:pic>
+        <p:nvPicPr>
+          <p:cNvPr id="4" name="Содержимое 3" descr="30.jpg"/>
+          <p:cNvPicPr>
+            <a:picLocks noGrp="1" noChangeAspect="1"/>
+          </p:cNvPicPr>
+          <p:nvPr>
+            <p:ph idx="1"/>
+          </p:nvPr>
+        </p:nvPicPr>
+        <p:blipFill>
+          <a:blip r:embed="rId2"/>
+          <a:stretch>
+            <a:fillRect/>
+          </a:stretch>
+        </p:blipFill>
+        <p:spPr>
+          <a:xfrm>
+            <a:off x="2881291" y="1928802"/>
+            <a:ext cx="6429375" cy="2643206"/>
+          </a:xfrm>
+        </p:spPr>
+      </p:pic>
+    </p:spTree>
+    <p:extLst>
+      <p:ext uri="{BB962C8B-B14F-4D97-AF65-F5344CB8AC3E}">
+        <p14:creationId xmlns:p14="http://schemas.microsoft.com/office/powerpoint/2010/main" val="2799352773"/>
+      </p:ext>
+    </p:extLst>
+  </p:cSld>
+  <p:clrMapOvr>
+    <a:masterClrMapping/>
+  </p:clrMapOvr>
+  <p:timing>
+    <p:tnLst>
+      <p:par>
+        <p:cTn id="1" dur="indefinite" restart="never" nodeType="tmRoot"/>
+      </p:par>
+    </p:tnLst>
+  </p:timing>
+</p:sld>
+</file>
+
+<file path=ppt/slides/slide39.xml><?xml version="1.0" encoding="utf-8"?>
+<p:sld xmlns:a="http://schemas.openxmlformats.org/drawingml/2006/main" xmlns:r="http://schemas.openxmlformats.org/officeDocument/2006/relationships" xmlns:p="http://schemas.openxmlformats.org/presentationml/2006/main">
+  <p:cSld>
+    <p:spTree>
+      <p:nvGrpSpPr>
+        <p:cNvPr id="1" name=""/>
+        <p:cNvGrpSpPr/>
+        <p:nvPr/>
+      </p:nvGrpSpPr>
+      <p:grpSpPr>
+        <a:xfrm>
+          <a:off x="0" y="0"/>
+          <a:ext cx="0" cy="0"/>
+          <a:chOff x="0" y="0"/>
+          <a:chExt cx="0" cy="0"/>
+        </a:xfrm>
+      </p:grpSpPr>
+      <p:sp>
+        <p:nvSpPr>
+          <p:cNvPr id="2" name="Заголовок 1"/>
+          <p:cNvSpPr>
+            <a:spLocks noGrp="1"/>
+          </p:cNvSpPr>
+          <p:nvPr>
+            <p:ph type="title"/>
+          </p:nvPr>
+        </p:nvSpPr>
+        <p:spPr/>
+        <p:txBody>
+          <a:bodyPr/>
+          <a:lstStyle/>
+          <a:p>
+            <a:r>
+              <a:rPr lang="en-US" dirty="0" smtClean="0"/>
+              <a:t> </a:t>
+            </a:r>
+            <a:endParaRPr lang="ru-RU" dirty="0"/>
+          </a:p>
+        </p:txBody>
+      </p:sp>
+      <p:pic>
+        <p:nvPicPr>
+          <p:cNvPr id="4" name="Содержимое 3" descr="31.jpg"/>
+          <p:cNvPicPr>
+            <a:picLocks noGrp="1" noChangeAspect="1"/>
+          </p:cNvPicPr>
+          <p:nvPr>
+            <p:ph idx="1"/>
+          </p:nvPr>
+        </p:nvPicPr>
+        <p:blipFill>
+          <a:blip r:embed="rId2"/>
+          <a:stretch>
+            <a:fillRect/>
+          </a:stretch>
+        </p:blipFill>
+        <p:spPr>
+          <a:xfrm>
+            <a:off x="2309787" y="2071678"/>
+            <a:ext cx="7418751" cy="2777340"/>
+          </a:xfrm>
+        </p:spPr>
+      </p:pic>
+    </p:spTree>
+    <p:extLst>
+      <p:ext uri="{BB962C8B-B14F-4D97-AF65-F5344CB8AC3E}">
+        <p14:creationId xmlns:p14="http://schemas.microsoft.com/office/powerpoint/2010/main" val="653988886"/>
+      </p:ext>
+    </p:extLst>
+  </p:cSld>
+  <p:clrMapOvr>
+    <a:masterClrMapping/>
+  </p:clrMapOvr>
+  <p:timing>
+    <p:tnLst>
+      <p:par>
+        <p:cTn id="1" dur="indefinite" restart="never" nodeType="tmRoot"/>
+      </p:par>
+    </p:tnLst>
+  </p:timing>
 </p:sld>
 </file>
 
@@ -7178,6 +9259,930 @@
   <p:clrMapOvr>
     <a:masterClrMapping/>
   </p:clrMapOvr>
+</p:sld>
+</file>
+
+<file path=ppt/slides/slide40.xml><?xml version="1.0" encoding="utf-8"?>
+<p:sld xmlns:a="http://schemas.openxmlformats.org/drawingml/2006/main" xmlns:r="http://schemas.openxmlformats.org/officeDocument/2006/relationships" xmlns:p="http://schemas.openxmlformats.org/presentationml/2006/main">
+  <p:cSld>
+    <p:spTree>
+      <p:nvGrpSpPr>
+        <p:cNvPr id="1" name=""/>
+        <p:cNvGrpSpPr/>
+        <p:nvPr/>
+      </p:nvGrpSpPr>
+      <p:grpSpPr>
+        <a:xfrm>
+          <a:off x="0" y="0"/>
+          <a:ext cx="0" cy="0"/>
+          <a:chOff x="0" y="0"/>
+          <a:chExt cx="0" cy="0"/>
+        </a:xfrm>
+      </p:grpSpPr>
+      <p:sp>
+        <p:nvSpPr>
+          <p:cNvPr id="2" name="Заголовок 1"/>
+          <p:cNvSpPr>
+            <a:spLocks noGrp="1"/>
+          </p:cNvSpPr>
+          <p:nvPr>
+            <p:ph type="title"/>
+          </p:nvPr>
+        </p:nvSpPr>
+        <p:spPr/>
+        <p:txBody>
+          <a:bodyPr/>
+          <a:lstStyle/>
+          <a:p>
+            <a:r>
+              <a:rPr lang="en-US" dirty="0" smtClean="0"/>
+              <a:t> </a:t>
+            </a:r>
+            <a:endParaRPr lang="ru-RU" dirty="0"/>
+          </a:p>
+        </p:txBody>
+      </p:sp>
+      <p:pic>
+        <p:nvPicPr>
+          <p:cNvPr id="4" name="Содержимое 3" descr="32.jpg"/>
+          <p:cNvPicPr>
+            <a:picLocks noGrp="1" noChangeAspect="1"/>
+          </p:cNvPicPr>
+          <p:nvPr>
+            <p:ph idx="1"/>
+          </p:nvPr>
+        </p:nvPicPr>
+        <p:blipFill>
+          <a:blip r:embed="rId2"/>
+          <a:stretch>
+            <a:fillRect/>
+          </a:stretch>
+        </p:blipFill>
+        <p:spPr>
+          <a:xfrm>
+            <a:off x="2166911" y="1643051"/>
+            <a:ext cx="7962247" cy="3920343"/>
+          </a:xfrm>
+        </p:spPr>
+      </p:pic>
+    </p:spTree>
+    <p:extLst>
+      <p:ext uri="{BB962C8B-B14F-4D97-AF65-F5344CB8AC3E}">
+        <p14:creationId xmlns:p14="http://schemas.microsoft.com/office/powerpoint/2010/main" val="2020756864"/>
+      </p:ext>
+    </p:extLst>
+  </p:cSld>
+  <p:clrMapOvr>
+    <a:masterClrMapping/>
+  </p:clrMapOvr>
+  <p:timing>
+    <p:tnLst>
+      <p:par>
+        <p:cTn id="1" dur="indefinite" restart="never" nodeType="tmRoot"/>
+      </p:par>
+    </p:tnLst>
+  </p:timing>
+</p:sld>
+</file>
+
+<file path=ppt/slides/slide41.xml><?xml version="1.0" encoding="utf-8"?>
+<p:sld xmlns:a="http://schemas.openxmlformats.org/drawingml/2006/main" xmlns:r="http://schemas.openxmlformats.org/officeDocument/2006/relationships" xmlns:p="http://schemas.openxmlformats.org/presentationml/2006/main">
+  <p:cSld>
+    <p:spTree>
+      <p:nvGrpSpPr>
+        <p:cNvPr id="1" name=""/>
+        <p:cNvGrpSpPr/>
+        <p:nvPr/>
+      </p:nvGrpSpPr>
+      <p:grpSpPr>
+        <a:xfrm>
+          <a:off x="0" y="0"/>
+          <a:ext cx="0" cy="0"/>
+          <a:chOff x="0" y="0"/>
+          <a:chExt cx="0" cy="0"/>
+        </a:xfrm>
+      </p:grpSpPr>
+      <p:sp>
+        <p:nvSpPr>
+          <p:cNvPr id="2" name="Заголовок 1"/>
+          <p:cNvSpPr>
+            <a:spLocks noGrp="1"/>
+          </p:cNvSpPr>
+          <p:nvPr>
+            <p:ph type="title"/>
+          </p:nvPr>
+        </p:nvSpPr>
+        <p:spPr/>
+        <p:txBody>
+          <a:bodyPr/>
+          <a:lstStyle/>
+          <a:p>
+            <a:r>
+              <a:rPr lang="ru-RU" dirty="0" smtClean="0"/>
+              <a:t> </a:t>
+            </a:r>
+            <a:endParaRPr lang="ru-RU" dirty="0"/>
+          </a:p>
+        </p:txBody>
+      </p:sp>
+      <p:pic>
+        <p:nvPicPr>
+          <p:cNvPr id="4" name="Содержимое 3" descr="35.jpg"/>
+          <p:cNvPicPr>
+            <a:picLocks noGrp="1" noChangeAspect="1"/>
+          </p:cNvPicPr>
+          <p:nvPr>
+            <p:ph idx="1"/>
+          </p:nvPr>
+        </p:nvPicPr>
+        <p:blipFill>
+          <a:blip r:embed="rId2"/>
+          <a:stretch>
+            <a:fillRect/>
+          </a:stretch>
+        </p:blipFill>
+        <p:spPr>
+          <a:xfrm>
+            <a:off x="2952729" y="1785927"/>
+            <a:ext cx="6203353" cy="2405863"/>
+          </a:xfrm>
+        </p:spPr>
+      </p:pic>
+    </p:spTree>
+    <p:extLst>
+      <p:ext uri="{BB962C8B-B14F-4D97-AF65-F5344CB8AC3E}">
+        <p14:creationId xmlns:p14="http://schemas.microsoft.com/office/powerpoint/2010/main" val="267950221"/>
+      </p:ext>
+    </p:extLst>
+  </p:cSld>
+  <p:clrMapOvr>
+    <a:masterClrMapping/>
+  </p:clrMapOvr>
+  <p:timing>
+    <p:tnLst>
+      <p:par>
+        <p:cTn id="1" dur="indefinite" restart="never" nodeType="tmRoot"/>
+      </p:par>
+    </p:tnLst>
+  </p:timing>
+</p:sld>
+</file>
+
+<file path=ppt/slides/slide42.xml><?xml version="1.0" encoding="utf-8"?>
+<p:sld xmlns:a="http://schemas.openxmlformats.org/drawingml/2006/main" xmlns:r="http://schemas.openxmlformats.org/officeDocument/2006/relationships" xmlns:p="http://schemas.openxmlformats.org/presentationml/2006/main">
+  <p:cSld>
+    <p:spTree>
+      <p:nvGrpSpPr>
+        <p:cNvPr id="1" name=""/>
+        <p:cNvGrpSpPr/>
+        <p:nvPr/>
+      </p:nvGrpSpPr>
+      <p:grpSpPr>
+        <a:xfrm>
+          <a:off x="0" y="0"/>
+          <a:ext cx="0" cy="0"/>
+          <a:chOff x="0" y="0"/>
+          <a:chExt cx="0" cy="0"/>
+        </a:xfrm>
+      </p:grpSpPr>
+      <p:sp>
+        <p:nvSpPr>
+          <p:cNvPr id="2" name="Заголовок 1"/>
+          <p:cNvSpPr>
+            <a:spLocks noGrp="1"/>
+          </p:cNvSpPr>
+          <p:nvPr>
+            <p:ph type="title"/>
+          </p:nvPr>
+        </p:nvSpPr>
+        <p:spPr/>
+        <p:txBody>
+          <a:bodyPr/>
+          <a:lstStyle/>
+          <a:p>
+            <a:r>
+              <a:rPr lang="ru-RU" dirty="0" smtClean="0">
+                <a:solidFill>
+                  <a:srgbClr val="FF0000"/>
+                </a:solidFill>
+              </a:rPr>
+              <a:t>Импортируем библиотеки</a:t>
+            </a:r>
+            <a:endParaRPr lang="ru-RU" dirty="0">
+              <a:solidFill>
+                <a:srgbClr val="FF0000"/>
+              </a:solidFill>
+            </a:endParaRPr>
+          </a:p>
+        </p:txBody>
+      </p:sp>
+      <p:sp>
+        <p:nvSpPr>
+          <p:cNvPr id="3" name="Содержимое 2"/>
+          <p:cNvSpPr>
+            <a:spLocks noGrp="1"/>
+          </p:cNvSpPr>
+          <p:nvPr>
+            <p:ph idx="1"/>
+          </p:nvPr>
+        </p:nvSpPr>
+        <p:spPr/>
+        <p:txBody>
+          <a:bodyPr/>
+          <a:lstStyle/>
+          <a:p>
+            <a:pPr>
+              <a:buNone/>
+            </a:pPr>
+            <a:r>
+              <a:rPr lang="ru-RU" dirty="0" smtClean="0"/>
+              <a:t>Попробуем импортировать модуль «</a:t>
+            </a:r>
+            <a:r>
+              <a:rPr lang="en-US" dirty="0" smtClean="0"/>
+              <a:t>this»</a:t>
+            </a:r>
+          </a:p>
+          <a:p>
+            <a:pPr>
+              <a:buNone/>
+            </a:pPr>
+            <a:r>
+              <a:rPr lang="en-US" dirty="0" smtClean="0">
+                <a:solidFill>
+                  <a:srgbClr val="FF0000"/>
+                </a:solidFill>
+              </a:rPr>
+              <a:t>Import this</a:t>
+            </a:r>
+          </a:p>
+          <a:p>
+            <a:pPr>
+              <a:buNone/>
+            </a:pPr>
+            <a:endParaRPr lang="en-US" dirty="0" smtClean="0">
+              <a:solidFill>
+                <a:srgbClr val="FF0000"/>
+              </a:solidFill>
+            </a:endParaRPr>
+          </a:p>
+          <a:p>
+            <a:pPr>
+              <a:buNone/>
+            </a:pPr>
+            <a:endParaRPr lang="ru-RU" dirty="0">
+              <a:solidFill>
+                <a:srgbClr val="FF0000"/>
+              </a:solidFill>
+            </a:endParaRPr>
+          </a:p>
+        </p:txBody>
+      </p:sp>
+      <p:pic>
+        <p:nvPicPr>
+          <p:cNvPr id="4" name="Рисунок 3" descr="33.jpg"/>
+          <p:cNvPicPr>
+            <a:picLocks noChangeAspect="1"/>
+          </p:cNvPicPr>
+          <p:nvPr/>
+        </p:nvPicPr>
+        <p:blipFill>
+          <a:blip r:embed="rId2"/>
+          <a:stretch>
+            <a:fillRect/>
+          </a:stretch>
+        </p:blipFill>
+        <p:spPr>
+          <a:xfrm>
+            <a:off x="2095472" y="2928935"/>
+            <a:ext cx="8072462" cy="3618135"/>
+          </a:xfrm>
+          <a:prstGeom prst="rect">
+            <a:avLst/>
+          </a:prstGeom>
+        </p:spPr>
+      </p:pic>
+    </p:spTree>
+    <p:extLst>
+      <p:ext uri="{BB962C8B-B14F-4D97-AF65-F5344CB8AC3E}">
+        <p14:creationId xmlns:p14="http://schemas.microsoft.com/office/powerpoint/2010/main" val="4115000946"/>
+      </p:ext>
+    </p:extLst>
+  </p:cSld>
+  <p:clrMapOvr>
+    <a:masterClrMapping/>
+  </p:clrMapOvr>
+  <p:timing>
+    <p:tnLst>
+      <p:par>
+        <p:cTn id="1" dur="indefinite" restart="never" nodeType="tmRoot"/>
+      </p:par>
+    </p:tnLst>
+  </p:timing>
+</p:sld>
+</file>
+
+<file path=ppt/slides/slide43.xml><?xml version="1.0" encoding="utf-8"?>
+<p:sld xmlns:a="http://schemas.openxmlformats.org/drawingml/2006/main" xmlns:r="http://schemas.openxmlformats.org/officeDocument/2006/relationships" xmlns:p="http://schemas.openxmlformats.org/presentationml/2006/main">
+  <p:cSld>
+    <p:spTree>
+      <p:nvGrpSpPr>
+        <p:cNvPr id="1" name=""/>
+        <p:cNvGrpSpPr/>
+        <p:nvPr/>
+      </p:nvGrpSpPr>
+      <p:grpSpPr>
+        <a:xfrm>
+          <a:off x="0" y="0"/>
+          <a:ext cx="0" cy="0"/>
+          <a:chOff x="0" y="0"/>
+          <a:chExt cx="0" cy="0"/>
+        </a:xfrm>
+      </p:grpSpPr>
+      <p:sp>
+        <p:nvSpPr>
+          <p:cNvPr id="2" name="Заголовок 1"/>
+          <p:cNvSpPr>
+            <a:spLocks noGrp="1"/>
+          </p:cNvSpPr>
+          <p:nvPr>
+            <p:ph type="title"/>
+          </p:nvPr>
+        </p:nvSpPr>
+        <p:spPr/>
+        <p:txBody>
+          <a:bodyPr/>
+          <a:lstStyle/>
+          <a:p>
+            <a:r>
+              <a:rPr lang="ru-RU" dirty="0" smtClean="0">
+                <a:solidFill>
+                  <a:srgbClr val="FF0000"/>
+                </a:solidFill>
+              </a:rPr>
+              <a:t>Это что</a:t>
+            </a:r>
+            <a:r>
+              <a:rPr lang="en-US" dirty="0" smtClean="0">
+                <a:solidFill>
+                  <a:srgbClr val="FF0000"/>
+                </a:solidFill>
+              </a:rPr>
+              <a:t>?</a:t>
+            </a:r>
+            <a:endParaRPr lang="ru-RU" dirty="0">
+              <a:solidFill>
+                <a:srgbClr val="FF0000"/>
+              </a:solidFill>
+            </a:endParaRPr>
+          </a:p>
+        </p:txBody>
+      </p:sp>
+      <p:sp>
+        <p:nvSpPr>
+          <p:cNvPr id="3" name="Содержимое 2"/>
+          <p:cNvSpPr>
+            <a:spLocks noGrp="1"/>
+          </p:cNvSpPr>
+          <p:nvPr>
+            <p:ph idx="1"/>
+          </p:nvPr>
+        </p:nvSpPr>
+        <p:spPr>
+          <a:xfrm>
+            <a:off x="1981200" y="2000241"/>
+            <a:ext cx="8229600" cy="4125923"/>
+          </a:xfrm>
+        </p:spPr>
+        <p:txBody>
+          <a:bodyPr/>
+          <a:lstStyle/>
+          <a:p>
+            <a:pPr>
+              <a:buNone/>
+            </a:pPr>
+            <a:r>
+              <a:rPr lang="ru-RU" dirty="0" smtClean="0"/>
+              <a:t>Разработчики языка </a:t>
+            </a:r>
+            <a:r>
+              <a:rPr lang="ru-RU" dirty="0" err="1" smtClean="0"/>
+              <a:t>Python</a:t>
+            </a:r>
+            <a:r>
+              <a:rPr lang="ru-RU" dirty="0" smtClean="0"/>
+              <a:t> придерживаются определённой философии программирования, называемой «</a:t>
+            </a:r>
+            <a:r>
+              <a:rPr lang="ru-RU" dirty="0" err="1" smtClean="0"/>
+              <a:t>The</a:t>
+            </a:r>
+            <a:r>
+              <a:rPr lang="ru-RU" dirty="0" smtClean="0"/>
+              <a:t> </a:t>
+            </a:r>
+            <a:r>
+              <a:rPr lang="ru-RU" dirty="0" err="1" smtClean="0"/>
+              <a:t>Zen</a:t>
+            </a:r>
+            <a:r>
+              <a:rPr lang="ru-RU" dirty="0" smtClean="0"/>
+              <a:t> </a:t>
+            </a:r>
+            <a:r>
+              <a:rPr lang="ru-RU" dirty="0" err="1" smtClean="0"/>
+              <a:t>of</a:t>
+            </a:r>
+            <a:r>
+              <a:rPr lang="ru-RU" dirty="0" smtClean="0"/>
+              <a:t> </a:t>
+            </a:r>
+            <a:r>
+              <a:rPr lang="ru-RU" dirty="0" err="1" smtClean="0"/>
+              <a:t>Python</a:t>
+            </a:r>
+            <a:r>
+              <a:rPr lang="ru-RU" dirty="0" smtClean="0"/>
+              <a:t>» («Дзен Питона»)  </a:t>
+            </a:r>
+            <a:endParaRPr lang="ru-RU" dirty="0"/>
+          </a:p>
+        </p:txBody>
+      </p:sp>
+    </p:spTree>
+    <p:extLst>
+      <p:ext uri="{BB962C8B-B14F-4D97-AF65-F5344CB8AC3E}">
+        <p14:creationId xmlns:p14="http://schemas.microsoft.com/office/powerpoint/2010/main" val="1476140700"/>
+      </p:ext>
+    </p:extLst>
+  </p:cSld>
+  <p:clrMapOvr>
+    <a:masterClrMapping/>
+  </p:clrMapOvr>
+  <p:timing>
+    <p:tnLst>
+      <p:par>
+        <p:cTn id="1" dur="indefinite" restart="never" nodeType="tmRoot"/>
+      </p:par>
+    </p:tnLst>
+  </p:timing>
+</p:sld>
+</file>
+
+<file path=ppt/slides/slide44.xml><?xml version="1.0" encoding="utf-8"?>
+<p:sld xmlns:a="http://schemas.openxmlformats.org/drawingml/2006/main" xmlns:r="http://schemas.openxmlformats.org/officeDocument/2006/relationships" xmlns:p="http://schemas.openxmlformats.org/presentationml/2006/main">
+  <p:cSld>
+    <p:spTree>
+      <p:nvGrpSpPr>
+        <p:cNvPr id="1" name=""/>
+        <p:cNvGrpSpPr/>
+        <p:nvPr/>
+      </p:nvGrpSpPr>
+      <p:grpSpPr>
+        <a:xfrm>
+          <a:off x="0" y="0"/>
+          <a:ext cx="0" cy="0"/>
+          <a:chOff x="0" y="0"/>
+          <a:chExt cx="0" cy="0"/>
+        </a:xfrm>
+      </p:grpSpPr>
+      <p:sp>
+        <p:nvSpPr>
+          <p:cNvPr id="2" name="Заголовок 1"/>
+          <p:cNvSpPr>
+            <a:spLocks noGrp="1"/>
+          </p:cNvSpPr>
+          <p:nvPr>
+            <p:ph type="title"/>
+          </p:nvPr>
+        </p:nvSpPr>
+        <p:spPr/>
+        <p:txBody>
+          <a:bodyPr/>
+          <a:lstStyle/>
+          <a:p>
+            <a:r>
+              <a:rPr lang="ru-RU" dirty="0" smtClean="0"/>
+              <a:t> </a:t>
+            </a:r>
+            <a:endParaRPr lang="ru-RU" dirty="0"/>
+          </a:p>
+        </p:txBody>
+      </p:sp>
+      <p:pic>
+        <p:nvPicPr>
+          <p:cNvPr id="4" name="Содержимое 3" descr="34.jpg"/>
+          <p:cNvPicPr>
+            <a:picLocks noGrp="1" noChangeAspect="1"/>
+          </p:cNvPicPr>
+          <p:nvPr>
+            <p:ph idx="1"/>
+          </p:nvPr>
+        </p:nvPicPr>
+        <p:blipFill>
+          <a:blip r:embed="rId2"/>
+          <a:stretch>
+            <a:fillRect/>
+          </a:stretch>
+        </p:blipFill>
+        <p:spPr>
+          <a:xfrm>
+            <a:off x="2809852" y="785795"/>
+            <a:ext cx="6683718" cy="5197493"/>
+          </a:xfrm>
+        </p:spPr>
+      </p:pic>
+    </p:spTree>
+    <p:extLst>
+      <p:ext uri="{BB962C8B-B14F-4D97-AF65-F5344CB8AC3E}">
+        <p14:creationId xmlns:p14="http://schemas.microsoft.com/office/powerpoint/2010/main" val="117020053"/>
+      </p:ext>
+    </p:extLst>
+  </p:cSld>
+  <p:clrMapOvr>
+    <a:masterClrMapping/>
+  </p:clrMapOvr>
+  <p:timing>
+    <p:tnLst>
+      <p:par>
+        <p:cTn id="1" dur="indefinite" restart="never" nodeType="tmRoot"/>
+      </p:par>
+    </p:tnLst>
+  </p:timing>
+</p:sld>
+</file>
+
+<file path=ppt/slides/slide45.xml><?xml version="1.0" encoding="utf-8"?>
+<p:sld xmlns:a="http://schemas.openxmlformats.org/drawingml/2006/main" xmlns:r="http://schemas.openxmlformats.org/officeDocument/2006/relationships" xmlns:p="http://schemas.openxmlformats.org/presentationml/2006/main">
+  <p:cSld>
+    <p:spTree>
+      <p:nvGrpSpPr>
+        <p:cNvPr id="1" name=""/>
+        <p:cNvGrpSpPr/>
+        <p:nvPr/>
+      </p:nvGrpSpPr>
+      <p:grpSpPr>
+        <a:xfrm>
+          <a:off x="0" y="0"/>
+          <a:ext cx="0" cy="0"/>
+          <a:chOff x="0" y="0"/>
+          <a:chExt cx="0" cy="0"/>
+        </a:xfrm>
+      </p:grpSpPr>
+      <p:sp>
+        <p:nvSpPr>
+          <p:cNvPr id="2" name="Заголовок 1"/>
+          <p:cNvSpPr>
+            <a:spLocks noGrp="1"/>
+          </p:cNvSpPr>
+          <p:nvPr>
+            <p:ph type="title"/>
+          </p:nvPr>
+        </p:nvSpPr>
+        <p:spPr/>
+        <p:txBody>
+          <a:bodyPr/>
+          <a:lstStyle/>
+          <a:p>
+            <a:r>
+              <a:rPr lang="ru-RU" dirty="0" smtClean="0"/>
+              <a:t> </a:t>
+            </a:r>
+            <a:endParaRPr lang="ru-RU" dirty="0"/>
+          </a:p>
+        </p:txBody>
+      </p:sp>
+      <p:sp>
+        <p:nvSpPr>
+          <p:cNvPr id="3" name="Содержимое 2"/>
+          <p:cNvSpPr>
+            <a:spLocks noGrp="1"/>
+          </p:cNvSpPr>
+          <p:nvPr>
+            <p:ph idx="1"/>
+          </p:nvPr>
+        </p:nvSpPr>
+        <p:spPr>
+          <a:xfrm>
+            <a:off x="1981200" y="1928803"/>
+            <a:ext cx="8229600" cy="4197361"/>
+          </a:xfrm>
+        </p:spPr>
+        <p:txBody>
+          <a:bodyPr/>
+          <a:lstStyle/>
+          <a:p>
+            <a:pPr algn="ctr">
+              <a:buNone/>
+            </a:pPr>
+            <a:r>
+              <a:rPr lang="ru-RU" dirty="0" smtClean="0"/>
+              <a:t>Так же существует огромное множество библиотек</a:t>
+            </a:r>
+            <a:r>
+              <a:rPr lang="en-US" dirty="0" smtClean="0"/>
+              <a:t>, </a:t>
+            </a:r>
+            <a:r>
+              <a:rPr lang="ru-RU" dirty="0" smtClean="0"/>
+              <a:t>которые мы будем устанавливать по необходимости.</a:t>
+            </a:r>
+            <a:endParaRPr lang="ru-RU" dirty="0"/>
+          </a:p>
+        </p:txBody>
+      </p:sp>
+    </p:spTree>
+    <p:extLst>
+      <p:ext uri="{BB962C8B-B14F-4D97-AF65-F5344CB8AC3E}">
+        <p14:creationId xmlns:p14="http://schemas.microsoft.com/office/powerpoint/2010/main" val="3836328294"/>
+      </p:ext>
+    </p:extLst>
+  </p:cSld>
+  <p:clrMapOvr>
+    <a:masterClrMapping/>
+  </p:clrMapOvr>
+  <p:timing>
+    <p:tnLst>
+      <p:par>
+        <p:cTn id="1" dur="indefinite" restart="never" nodeType="tmRoot"/>
+      </p:par>
+    </p:tnLst>
+  </p:timing>
+</p:sld>
+</file>
+
+<file path=ppt/slides/slide46.xml><?xml version="1.0" encoding="utf-8"?>
+<p:sld xmlns:a="http://schemas.openxmlformats.org/drawingml/2006/main" xmlns:r="http://schemas.openxmlformats.org/officeDocument/2006/relationships" xmlns:p="http://schemas.openxmlformats.org/presentationml/2006/main">
+  <p:cSld>
+    <p:spTree>
+      <p:nvGrpSpPr>
+        <p:cNvPr id="1" name=""/>
+        <p:cNvGrpSpPr/>
+        <p:nvPr/>
+      </p:nvGrpSpPr>
+      <p:grpSpPr>
+        <a:xfrm>
+          <a:off x="0" y="0"/>
+          <a:ext cx="0" cy="0"/>
+          <a:chOff x="0" y="0"/>
+          <a:chExt cx="0" cy="0"/>
+        </a:xfrm>
+      </p:grpSpPr>
+      <p:sp>
+        <p:nvSpPr>
+          <p:cNvPr id="2" name="Заголовок 1"/>
+          <p:cNvSpPr>
+            <a:spLocks noGrp="1"/>
+          </p:cNvSpPr>
+          <p:nvPr>
+            <p:ph type="title"/>
+          </p:nvPr>
+        </p:nvSpPr>
+        <p:spPr/>
+        <p:txBody>
+          <a:bodyPr/>
+          <a:lstStyle/>
+          <a:p>
+            <a:r>
+              <a:rPr lang="ru-RU" dirty="0" smtClean="0">
+                <a:solidFill>
+                  <a:srgbClr val="FF0000"/>
+                </a:solidFill>
+              </a:rPr>
+              <a:t>Установка библиотек</a:t>
+            </a:r>
+            <a:endParaRPr lang="ru-RU" dirty="0">
+              <a:solidFill>
+                <a:srgbClr val="FF0000"/>
+              </a:solidFill>
+            </a:endParaRPr>
+          </a:p>
+        </p:txBody>
+      </p:sp>
+      <p:pic>
+        <p:nvPicPr>
+          <p:cNvPr id="4" name="Содержимое 3" descr="39.jpg"/>
+          <p:cNvPicPr>
+            <a:picLocks noGrp="1" noChangeAspect="1"/>
+          </p:cNvPicPr>
+          <p:nvPr>
+            <p:ph idx="1"/>
+          </p:nvPr>
+        </p:nvPicPr>
+        <p:blipFill>
+          <a:blip r:embed="rId2"/>
+          <a:stretch>
+            <a:fillRect/>
+          </a:stretch>
+        </p:blipFill>
+        <p:spPr>
+          <a:xfrm>
+            <a:off x="1952596" y="2143117"/>
+            <a:ext cx="8229600" cy="2139351"/>
+          </a:xfrm>
+        </p:spPr>
+      </p:pic>
+    </p:spTree>
+    <p:extLst>
+      <p:ext uri="{BB962C8B-B14F-4D97-AF65-F5344CB8AC3E}">
+        <p14:creationId xmlns:p14="http://schemas.microsoft.com/office/powerpoint/2010/main" val="1574873687"/>
+      </p:ext>
+    </p:extLst>
+  </p:cSld>
+  <p:clrMapOvr>
+    <a:masterClrMapping/>
+  </p:clrMapOvr>
+</p:sld>
+</file>
+
+<file path=ppt/slides/slide47.xml><?xml version="1.0" encoding="utf-8"?>
+<p:sld xmlns:a="http://schemas.openxmlformats.org/drawingml/2006/main" xmlns:r="http://schemas.openxmlformats.org/officeDocument/2006/relationships" xmlns:p="http://schemas.openxmlformats.org/presentationml/2006/main">
+  <p:cSld>
+    <p:spTree>
+      <p:nvGrpSpPr>
+        <p:cNvPr id="1" name=""/>
+        <p:cNvGrpSpPr/>
+        <p:nvPr/>
+      </p:nvGrpSpPr>
+      <p:grpSpPr>
+        <a:xfrm>
+          <a:off x="0" y="0"/>
+          <a:ext cx="0" cy="0"/>
+          <a:chOff x="0" y="0"/>
+          <a:chExt cx="0" cy="0"/>
+        </a:xfrm>
+      </p:grpSpPr>
+      <p:sp>
+        <p:nvSpPr>
+          <p:cNvPr id="2" name="Заголовок 1"/>
+          <p:cNvSpPr>
+            <a:spLocks noGrp="1"/>
+          </p:cNvSpPr>
+          <p:nvPr>
+            <p:ph type="title"/>
+          </p:nvPr>
+        </p:nvSpPr>
+        <p:spPr/>
+        <p:txBody>
+          <a:bodyPr/>
+          <a:lstStyle/>
+          <a:p>
+            <a:r>
+              <a:rPr lang="en-US" dirty="0" smtClean="0"/>
+              <a:t> </a:t>
+            </a:r>
+            <a:endParaRPr lang="ru-RU" dirty="0"/>
+          </a:p>
+        </p:txBody>
+      </p:sp>
+      <p:sp>
+        <p:nvSpPr>
+          <p:cNvPr id="3" name="Содержимое 2"/>
+          <p:cNvSpPr>
+            <a:spLocks noGrp="1"/>
+          </p:cNvSpPr>
+          <p:nvPr>
+            <p:ph idx="1"/>
+          </p:nvPr>
+        </p:nvSpPr>
+        <p:spPr>
+          <a:xfrm>
+            <a:off x="1981200" y="1857365"/>
+            <a:ext cx="8229600" cy="4268799"/>
+          </a:xfrm>
+        </p:spPr>
+        <p:txBody>
+          <a:bodyPr/>
+          <a:lstStyle/>
+          <a:p>
+            <a:pPr algn="ctr">
+              <a:buNone/>
+            </a:pPr>
+            <a:r>
+              <a:rPr lang="en-US" dirty="0" smtClean="0">
+                <a:solidFill>
+                  <a:srgbClr val="FF0000"/>
+                </a:solidFill>
+              </a:rPr>
+              <a:t>Pip install &lt;</a:t>
+            </a:r>
+            <a:r>
+              <a:rPr lang="ru-RU" dirty="0" smtClean="0">
+                <a:solidFill>
+                  <a:srgbClr val="FF0000"/>
+                </a:solidFill>
+              </a:rPr>
+              <a:t>имя библиотеки</a:t>
+            </a:r>
+            <a:r>
+              <a:rPr lang="en-US" dirty="0" smtClean="0">
+                <a:solidFill>
+                  <a:srgbClr val="FF0000"/>
+                </a:solidFill>
+              </a:rPr>
+              <a:t>&gt;</a:t>
+            </a:r>
+            <a:endParaRPr lang="ru-RU" dirty="0">
+              <a:solidFill>
+                <a:srgbClr val="FF0000"/>
+              </a:solidFill>
+            </a:endParaRPr>
+          </a:p>
+        </p:txBody>
+      </p:sp>
+    </p:spTree>
+    <p:extLst>
+      <p:ext uri="{BB962C8B-B14F-4D97-AF65-F5344CB8AC3E}">
+        <p14:creationId xmlns:p14="http://schemas.microsoft.com/office/powerpoint/2010/main" val="1256423877"/>
+      </p:ext>
+    </p:extLst>
+  </p:cSld>
+  <p:clrMapOvr>
+    <a:masterClrMapping/>
+  </p:clrMapOvr>
+</p:sld>
+</file>
+
+<file path=ppt/slides/slide48.xml><?xml version="1.0" encoding="utf-8"?>
+<p:sld xmlns:a="http://schemas.openxmlformats.org/drawingml/2006/main" xmlns:r="http://schemas.openxmlformats.org/officeDocument/2006/relationships" xmlns:p="http://schemas.openxmlformats.org/presentationml/2006/main">
+  <p:cSld>
+    <p:spTree>
+      <p:nvGrpSpPr>
+        <p:cNvPr id="1" name=""/>
+        <p:cNvGrpSpPr/>
+        <p:nvPr/>
+      </p:nvGrpSpPr>
+      <p:grpSpPr>
+        <a:xfrm>
+          <a:off x="0" y="0"/>
+          <a:ext cx="0" cy="0"/>
+          <a:chOff x="0" y="0"/>
+          <a:chExt cx="0" cy="0"/>
+        </a:xfrm>
+      </p:grpSpPr>
+      <p:sp>
+        <p:nvSpPr>
+          <p:cNvPr id="2" name="Заголовок 1"/>
+          <p:cNvSpPr>
+            <a:spLocks noGrp="1"/>
+          </p:cNvSpPr>
+          <p:nvPr>
+            <p:ph type="title"/>
+          </p:nvPr>
+        </p:nvSpPr>
+        <p:spPr/>
+        <p:txBody>
+          <a:bodyPr/>
+          <a:lstStyle/>
+          <a:p>
+            <a:r>
+              <a:rPr lang="ru-RU" dirty="0" smtClean="0"/>
+              <a:t> </a:t>
+            </a:r>
+            <a:endParaRPr lang="ru-RU" dirty="0"/>
+          </a:p>
+        </p:txBody>
+      </p:sp>
+      <p:pic>
+        <p:nvPicPr>
+          <p:cNvPr id="4" name="Содержимое 3" descr="36.jpg"/>
+          <p:cNvPicPr>
+            <a:picLocks noGrp="1" noChangeAspect="1"/>
+          </p:cNvPicPr>
+          <p:nvPr>
+            <p:ph idx="1"/>
+          </p:nvPr>
+        </p:nvPicPr>
+        <p:blipFill>
+          <a:blip r:embed="rId2" cstate="print"/>
+          <a:stretch>
+            <a:fillRect/>
+          </a:stretch>
+        </p:blipFill>
+        <p:spPr>
+          <a:xfrm>
+            <a:off x="1981200" y="1071547"/>
+            <a:ext cx="8229600" cy="4357718"/>
+          </a:xfrm>
+        </p:spPr>
+      </p:pic>
+    </p:spTree>
+    <p:extLst>
+      <p:ext uri="{BB962C8B-B14F-4D97-AF65-F5344CB8AC3E}">
+        <p14:creationId xmlns:p14="http://schemas.microsoft.com/office/powerpoint/2010/main" val="1175692660"/>
+      </p:ext>
+    </p:extLst>
+  </p:cSld>
+  <p:clrMapOvr>
+    <a:masterClrMapping/>
+  </p:clrMapOvr>
+  <p:timing>
+    <p:tnLst>
+      <p:par>
+        <p:cTn id="1" dur="indefinite" restart="never" nodeType="tmRoot"/>
+      </p:par>
+    </p:tnLst>
+  </p:timing>
 </p:sld>
 </file>
 
